--- a/青年聖歌I/(青年聖歌I6)你真偉大.pptx
+++ b/青年聖歌I/(青年聖歌I6)你真偉大.pptx
@@ -11,6 +11,10 @@
     <p:sldId id="259" r:id="rId5"/>
     <p:sldId id="260" r:id="rId6"/>
     <p:sldId id="261" r:id="rId7"/>
+    <p:sldId id="262" r:id="rId8"/>
+    <p:sldId id="263" r:id="rId9"/>
+    <p:sldId id="264" r:id="rId10"/>
+    <p:sldId id="265" r:id="rId11"/>
   </p:sldIdLst>
   <p:sldSz cx="12192000" cy="6858000"/>
   <p:notesSz cx="6858000" cy="9144000"/>
@@ -310,7 +314,7 @@
             <a:fld id="{18D434DE-7E94-479A-8252-0F1D004EB8DD}" type="datetimeFigureOut">
               <a:rPr lang="zh-TW" altLang="en-US" smtClean="0"/>
               <a:pPr/>
-              <a:t>2019/10/11</a:t>
+              <a:t>2021/1/30</a:t>
             </a:fld>
             <a:endParaRPr lang="zh-TW" altLang="en-US"/>
           </a:p>
@@ -482,7 +486,7 @@
             <a:fld id="{18D434DE-7E94-479A-8252-0F1D004EB8DD}" type="datetimeFigureOut">
               <a:rPr lang="zh-TW" altLang="en-US" smtClean="0"/>
               <a:pPr/>
-              <a:t>2019/10/11</a:t>
+              <a:t>2021/1/30</a:t>
             </a:fld>
             <a:endParaRPr lang="zh-TW" altLang="en-US"/>
           </a:p>
@@ -664,7 +668,7 @@
             <a:fld id="{18D434DE-7E94-479A-8252-0F1D004EB8DD}" type="datetimeFigureOut">
               <a:rPr lang="zh-TW" altLang="en-US" smtClean="0"/>
               <a:pPr/>
-              <a:t>2019/10/11</a:t>
+              <a:t>2021/1/30</a:t>
             </a:fld>
             <a:endParaRPr lang="zh-TW" altLang="en-US"/>
           </a:p>
@@ -836,7 +840,7 @@
             <a:fld id="{18D434DE-7E94-479A-8252-0F1D004EB8DD}" type="datetimeFigureOut">
               <a:rPr lang="zh-TW" altLang="en-US" smtClean="0"/>
               <a:pPr/>
-              <a:t>2019/10/11</a:t>
+              <a:t>2021/1/30</a:t>
             </a:fld>
             <a:endParaRPr lang="zh-TW" altLang="en-US"/>
           </a:p>
@@ -1084,7 +1088,7 @@
             <a:fld id="{18D434DE-7E94-479A-8252-0F1D004EB8DD}" type="datetimeFigureOut">
               <a:rPr lang="zh-TW" altLang="en-US" smtClean="0"/>
               <a:pPr/>
-              <a:t>2019/10/11</a:t>
+              <a:t>2021/1/30</a:t>
             </a:fld>
             <a:endParaRPr lang="zh-TW" altLang="en-US"/>
           </a:p>
@@ -1374,7 +1378,7 @@
             <a:fld id="{18D434DE-7E94-479A-8252-0F1D004EB8DD}" type="datetimeFigureOut">
               <a:rPr lang="zh-TW" altLang="en-US" smtClean="0"/>
               <a:pPr/>
-              <a:t>2019/10/11</a:t>
+              <a:t>2021/1/30</a:t>
             </a:fld>
             <a:endParaRPr lang="zh-TW" altLang="en-US"/>
           </a:p>
@@ -1798,7 +1802,7 @@
             <a:fld id="{18D434DE-7E94-479A-8252-0F1D004EB8DD}" type="datetimeFigureOut">
               <a:rPr lang="zh-TW" altLang="en-US" smtClean="0"/>
               <a:pPr/>
-              <a:t>2019/10/11</a:t>
+              <a:t>2021/1/30</a:t>
             </a:fld>
             <a:endParaRPr lang="zh-TW" altLang="en-US"/>
           </a:p>
@@ -1918,7 +1922,7 @@
             <a:fld id="{18D434DE-7E94-479A-8252-0F1D004EB8DD}" type="datetimeFigureOut">
               <a:rPr lang="zh-TW" altLang="en-US" smtClean="0"/>
               <a:pPr/>
-              <a:t>2019/10/11</a:t>
+              <a:t>2021/1/30</a:t>
             </a:fld>
             <a:endParaRPr lang="zh-TW" altLang="en-US"/>
           </a:p>
@@ -2015,7 +2019,7 @@
             <a:fld id="{18D434DE-7E94-479A-8252-0F1D004EB8DD}" type="datetimeFigureOut">
               <a:rPr lang="zh-TW" altLang="en-US" smtClean="0"/>
               <a:pPr/>
-              <a:t>2019/10/11</a:t>
+              <a:t>2021/1/30</a:t>
             </a:fld>
             <a:endParaRPr lang="zh-TW" altLang="en-US"/>
           </a:p>
@@ -2294,7 +2298,7 @@
             <a:fld id="{18D434DE-7E94-479A-8252-0F1D004EB8DD}" type="datetimeFigureOut">
               <a:rPr lang="zh-TW" altLang="en-US" smtClean="0"/>
               <a:pPr/>
-              <a:t>2019/10/11</a:t>
+              <a:t>2021/1/30</a:t>
             </a:fld>
             <a:endParaRPr lang="zh-TW" altLang="en-US"/>
           </a:p>
@@ -2553,7 +2557,7 @@
             <a:fld id="{18D434DE-7E94-479A-8252-0F1D004EB8DD}" type="datetimeFigureOut">
               <a:rPr lang="zh-TW" altLang="en-US" smtClean="0"/>
               <a:pPr/>
-              <a:t>2019/10/11</a:t>
+              <a:t>2021/1/30</a:t>
             </a:fld>
             <a:endParaRPr lang="zh-TW" altLang="en-US"/>
           </a:p>
@@ -2773,7 +2777,7 @@
             <a:fld id="{18D434DE-7E94-479A-8252-0F1D004EB8DD}" type="datetimeFigureOut">
               <a:rPr lang="zh-TW" altLang="en-US" smtClean="0"/>
               <a:pPr/>
-              <a:t>2019/10/11</a:t>
+              <a:t>2021/1/30</a:t>
             </a:fld>
             <a:endParaRPr lang="zh-TW" altLang="en-US"/>
           </a:p>
@@ -3159,206 +3163,231 @@
             <p:ph type="title"/>
           </p:nvPr>
         </p:nvSpPr>
-        <p:spPr/>
-        <p:txBody>
-          <a:bodyPr/>
-          <a:lstStyle/>
-          <a:p>
-            <a:r>
-              <a:rPr lang="zh-TW" altLang="zh-TW" b="1" dirty="0">
+        <p:spPr>
+          <a:xfrm>
+            <a:off x="0" y="2857513"/>
+            <a:ext cx="12192000" cy="1143000"/>
+          </a:xfrm>
+        </p:spPr>
+        <p:txBody>
+          <a:bodyPr>
+            <a:noAutofit/>
+          </a:bodyPr>
+          <a:lstStyle/>
+          <a:p>
+            <a:r>
+              <a:rPr lang="zh-TW" altLang="zh-TW" sz="7200" b="1" i="1" dirty="0">
+                <a:solidFill>
+                  <a:srgbClr val="660033"/>
+                </a:solidFill>
+                <a:effectLst>
+                  <a:outerShdw blurRad="38100" dist="38100" dir="2700000" algn="tl">
+                    <a:srgbClr val="000000">
+                      <a:alpha val="43137"/>
+                    </a:srgbClr>
+                  </a:outerShdw>
+                </a:effectLst>
                 <a:latin typeface="微軟正黑體" pitchFamily="34" charset="-120"/>
                 <a:ea typeface="微軟正黑體" pitchFamily="34" charset="-120"/>
               </a:rPr>
               <a:t>祢</a:t>
             </a:r>
             <a:r>
-              <a:rPr lang="zh-CN" altLang="en-US" b="1" dirty="0" smtClean="0">
+              <a:rPr lang="zh-CN" altLang="en-US" sz="7200" b="1" i="1" dirty="0">
+                <a:solidFill>
+                  <a:srgbClr val="660033"/>
+                </a:solidFill>
+                <a:effectLst>
+                  <a:outerShdw blurRad="38100" dist="38100" dir="2700000" algn="tl">
+                    <a:srgbClr val="000000">
+                      <a:alpha val="43137"/>
+                    </a:srgbClr>
+                  </a:outerShdw>
+                </a:effectLst>
                 <a:latin typeface="微軟正黑體" pitchFamily="34" charset="-120"/>
                 <a:ea typeface="微軟正黑體" pitchFamily="34" charset="-120"/>
               </a:rPr>
-              <a:t>真</a:t>
-            </a:r>
-            <a:r>
-              <a:rPr lang="zh-CN" altLang="en-US" b="1" dirty="0" smtClean="0">
+              <a:t>真偉大</a:t>
+            </a:r>
+            <a:endParaRPr lang="zh-TW" altLang="en-US" sz="7200" b="1" i="1" dirty="0">
+              <a:solidFill>
+                <a:srgbClr val="660033"/>
+              </a:solidFill>
+              <a:effectLst>
+                <a:outerShdw blurRad="38100" dist="38100" dir="2700000" algn="tl">
+                  <a:srgbClr val="000000">
+                    <a:alpha val="43137"/>
+                  </a:srgbClr>
+                </a:outerShdw>
+              </a:effectLst>
+              <a:latin typeface="微軟正黑體" pitchFamily="34" charset="-120"/>
+              <a:ea typeface="微軟正黑體" pitchFamily="34" charset="-120"/>
+            </a:endParaRPr>
+          </a:p>
+        </p:txBody>
+      </p:sp>
+    </p:spTree>
+    <p:extLst>
+      <p:ext uri="{BB962C8B-B14F-4D97-AF65-F5344CB8AC3E}">
+        <p14:creationId xmlns:p14="http://schemas.microsoft.com/office/powerpoint/2010/main" val="1409280251"/>
+      </p:ext>
+    </p:extLst>
+  </p:cSld>
+  <p:clrMapOvr>
+    <a:masterClrMapping/>
+  </p:clrMapOvr>
+</p:sld>
+</file>
+
+<file path=ppt/slides/slide10.xml><?xml version="1.0" encoding="utf-8"?>
+<p:sld xmlns:a="http://schemas.openxmlformats.org/drawingml/2006/main" xmlns:r="http://schemas.openxmlformats.org/officeDocument/2006/relationships" xmlns:p="http://schemas.openxmlformats.org/presentationml/2006/main">
+  <p:cSld>
+    <p:spTree>
+      <p:nvGrpSpPr>
+        <p:cNvPr id="1" name=""/>
+        <p:cNvGrpSpPr/>
+        <p:nvPr/>
+      </p:nvGrpSpPr>
+      <p:grpSpPr>
+        <a:xfrm>
+          <a:off x="0" y="0"/>
+          <a:ext cx="0" cy="0"/>
+          <a:chOff x="0" y="0"/>
+          <a:chExt cx="0" cy="0"/>
+        </a:xfrm>
+      </p:grpSpPr>
+      <p:sp>
+        <p:nvSpPr>
+          <p:cNvPr id="5" name="內容版面配置區 4"/>
+          <p:cNvSpPr>
+            <a:spLocks noGrp="1"/>
+          </p:cNvSpPr>
+          <p:nvPr>
+            <p:ph idx="1"/>
+          </p:nvPr>
+        </p:nvSpPr>
+        <p:spPr>
+          <a:xfrm>
+            <a:off x="0" y="2084853"/>
+            <a:ext cx="12192000" cy="2404863"/>
+          </a:xfrm>
+        </p:spPr>
+        <p:txBody>
+          <a:bodyPr anchor="ctr">
+            <a:normAutofit/>
+          </a:bodyPr>
+          <a:lstStyle/>
+          <a:p>
+            <a:pPr algn="ctr">
+              <a:buNone/>
+            </a:pPr>
+            <a:r>
+              <a:rPr lang="zh-TW" altLang="en-US" sz="6400" b="1" dirty="0">
+                <a:solidFill>
+                  <a:srgbClr val="660033"/>
+                </a:solidFill>
                 <a:latin typeface="微軟正黑體" pitchFamily="34" charset="-120"/>
                 <a:ea typeface="微軟正黑體" pitchFamily="34" charset="-120"/>
               </a:rPr>
-              <a:t>偉大</a:t>
-            </a:r>
-            <a:endParaRPr lang="zh-TW" altLang="en-US" b="1" dirty="0">
+              <a:t>我靈歌唱  讚美救主我神</a:t>
+            </a:r>
+            <a:endParaRPr lang="en-US" altLang="zh-TW" sz="6400" b="1" dirty="0">
+              <a:solidFill>
+                <a:srgbClr val="660033"/>
+              </a:solidFill>
               <a:latin typeface="微軟正黑體" pitchFamily="34" charset="-120"/>
               <a:ea typeface="微軟正黑體" pitchFamily="34" charset="-120"/>
             </a:endParaRPr>
           </a:p>
-        </p:txBody>
-      </p:sp>
-      <p:sp>
-        <p:nvSpPr>
-          <p:cNvPr id="5" name="內容版面配置區 4"/>
-          <p:cNvSpPr>
-            <a:spLocks noGrp="1"/>
-          </p:cNvSpPr>
-          <p:nvPr>
-            <p:ph idx="1"/>
-          </p:nvPr>
-        </p:nvSpPr>
-        <p:spPr/>
-        <p:txBody>
-          <a:bodyPr>
-            <a:normAutofit/>
-          </a:bodyPr>
-          <a:lstStyle/>
           <a:p>
             <a:pPr algn="ctr">
               <a:buNone/>
             </a:pPr>
             <a:r>
-              <a:rPr lang="zh-TW" altLang="en-US" sz="5400" b="1" dirty="0">
-                <a:latin typeface="微軟正黑體" pitchFamily="34" charset="-120"/>
-                <a:ea typeface="微軟正黑體" pitchFamily="34" charset="-120"/>
-              </a:rPr>
-              <a:t>主</a:t>
-            </a:r>
-            <a:r>
-              <a:rPr lang="zh-TW" altLang="en-US" sz="5400" b="1" dirty="0">
-                <a:latin typeface="微軟正黑體" pitchFamily="34" charset="-120"/>
-                <a:ea typeface="微軟正黑體" pitchFamily="34" charset="-120"/>
-              </a:rPr>
-              <a:t>啊我神 我每逢舉目</a:t>
-            </a:r>
-            <a:r>
-              <a:rPr lang="zh-TW" altLang="en-US" sz="5400" b="1" dirty="0">
-                <a:latin typeface="微軟正黑體" pitchFamily="34" charset="-120"/>
-                <a:ea typeface="微軟正黑體" pitchFamily="34" charset="-120"/>
-              </a:rPr>
-              <a:t>觀看</a:t>
-            </a:r>
-            <a:endParaRPr lang="en-US" altLang="zh-TW" sz="5400" b="1" dirty="0">
-              <a:latin typeface="微軟正黑體" pitchFamily="34" charset="-120"/>
-              <a:ea typeface="微軟正黑體" pitchFamily="34" charset="-120"/>
-            </a:endParaRPr>
-          </a:p>
-          <a:p>
-            <a:pPr algn="ctr">
-              <a:buNone/>
-            </a:pPr>
-            <a:r>
-              <a:rPr lang="zh-TW" altLang="zh-TW" sz="5400" b="1" dirty="0">
+              <a:rPr lang="zh-TW" altLang="zh-TW" sz="6400" b="1" dirty="0">
+                <a:solidFill>
+                  <a:srgbClr val="660033"/>
+                </a:solidFill>
                 <a:latin typeface="微軟正黑體" pitchFamily="34" charset="-120"/>
                 <a:ea typeface="微軟正黑體" pitchFamily="34" charset="-120"/>
               </a:rPr>
               <a:t>祢</a:t>
             </a:r>
             <a:r>
-              <a:rPr lang="zh-TW" altLang="en-US" sz="5400" b="1" dirty="0" smtClean="0">
+              <a:rPr lang="zh-TW" altLang="en-US" sz="6400" b="1" dirty="0">
+                <a:solidFill>
+                  <a:srgbClr val="660033"/>
+                </a:solidFill>
                 <a:latin typeface="微軟正黑體" pitchFamily="34" charset="-120"/>
                 <a:ea typeface="微軟正黑體" pitchFamily="34" charset="-120"/>
               </a:rPr>
-              <a:t>手</a:t>
-            </a:r>
-            <a:r>
-              <a:rPr lang="zh-TW" altLang="en-US" sz="5400" b="1" dirty="0">
+              <a:t>真偉大  何等偉大</a:t>
+            </a:r>
+            <a:r>
+              <a:rPr lang="en-US" sz="6400" b="1" dirty="0">
+                <a:solidFill>
+                  <a:srgbClr val="660033"/>
+                </a:solidFill>
                 <a:latin typeface="微軟正黑體" pitchFamily="34" charset="-120"/>
                 <a:ea typeface="微軟正黑體" pitchFamily="34" charset="-120"/>
               </a:rPr>
-              <a:t>所</a:t>
-            </a:r>
-            <a:r>
-              <a:rPr lang="zh-TW" altLang="en-US" sz="5400" b="1" dirty="0">
-                <a:latin typeface="微軟正黑體" pitchFamily="34" charset="-120"/>
-                <a:ea typeface="微軟正黑體" pitchFamily="34" charset="-120"/>
-              </a:rPr>
-              <a:t>造  一切</a:t>
-            </a:r>
-            <a:r>
-              <a:rPr lang="zh-TW" altLang="en-US" sz="5400" b="1" dirty="0">
-                <a:latin typeface="微軟正黑體" pitchFamily="34" charset="-120"/>
-                <a:ea typeface="微軟正黑體" pitchFamily="34" charset="-120"/>
-              </a:rPr>
-              <a:t>奇妙大</a:t>
-            </a:r>
-            <a:r>
-              <a:rPr lang="zh-TW" altLang="en-US" sz="5400" b="1" dirty="0">
-                <a:latin typeface="微軟正黑體" pitchFamily="34" charset="-120"/>
-                <a:ea typeface="微軟正黑體" pitchFamily="34" charset="-120"/>
-              </a:rPr>
-              <a:t>工</a:t>
-            </a:r>
-            <a:endParaRPr lang="en-US" altLang="zh-TW" sz="5400" b="1" dirty="0">
+              <a:t> </a:t>
+            </a:r>
+            <a:endParaRPr lang="zh-TW" altLang="en-US" sz="6400" b="1" dirty="0">
+              <a:solidFill>
+                <a:srgbClr val="660033"/>
+              </a:solidFill>
               <a:latin typeface="微軟正黑體" pitchFamily="34" charset="-120"/>
               <a:ea typeface="微軟正黑體" pitchFamily="34" charset="-120"/>
             </a:endParaRPr>
           </a:p>
-          <a:p>
-            <a:pPr algn="ctr">
-              <a:buNone/>
-            </a:pPr>
-            <a:r>
-              <a:rPr lang="zh-TW" altLang="en-US" sz="5400" b="1" dirty="0">
-                <a:latin typeface="微軟正黑體" pitchFamily="34" charset="-120"/>
-                <a:ea typeface="微軟正黑體" pitchFamily="34" charset="-120"/>
+        </p:txBody>
+      </p:sp>
+      <p:sp>
+        <p:nvSpPr>
+          <p:cNvPr id="4" name="TextBox 3"/>
+          <p:cNvSpPr txBox="1"/>
+          <p:nvPr/>
+        </p:nvSpPr>
+        <p:spPr>
+          <a:xfrm>
+            <a:off x="0" y="5253203"/>
+            <a:ext cx="12192000" cy="830997"/>
+          </a:xfrm>
+          <a:prstGeom prst="rect">
+            <a:avLst/>
+          </a:prstGeom>
+          <a:noFill/>
+        </p:spPr>
+        <p:txBody>
+          <a:bodyPr wrap="square" rtlCol="0">
+            <a:spAutoFit/>
+          </a:bodyPr>
+          <a:lstStyle/>
+          <a:p>
+            <a:pPr algn="ctr"/>
+            <a:r>
+              <a:rPr lang="en-US" sz="4800" b="1" dirty="0">
+                <a:solidFill>
+                  <a:srgbClr val="660033"/>
+                </a:solidFill>
               </a:rPr>
-              <a:t>看見星宿 又</a:t>
-            </a:r>
-            <a:r>
-              <a:rPr lang="zh-TW" altLang="en-US" sz="5400" b="1" dirty="0">
-                <a:latin typeface="微軟正黑體" pitchFamily="34" charset="-120"/>
-                <a:ea typeface="微軟正黑體" pitchFamily="34" charset="-120"/>
-              </a:rPr>
-              <a:t>聽到隆隆</a:t>
-            </a:r>
-            <a:r>
-              <a:rPr lang="zh-TW" altLang="en-US" sz="5400" b="1" dirty="0">
-                <a:latin typeface="微軟正黑體" pitchFamily="34" charset="-120"/>
-                <a:ea typeface="微軟正黑體" pitchFamily="34" charset="-120"/>
-              </a:rPr>
-              <a:t>雷聲</a:t>
-            </a:r>
-            <a:endParaRPr lang="en-US" altLang="zh-TW" sz="5400" b="1" dirty="0">
-              <a:latin typeface="微軟正黑體" pitchFamily="34" charset="-120"/>
-              <a:ea typeface="微軟正黑體" pitchFamily="34" charset="-120"/>
+              <a:t>( x2 )</a:t>
+            </a:r>
+            <a:endParaRPr lang="vi-VN" sz="4800" b="1" dirty="0">
+              <a:solidFill>
+                <a:srgbClr val="660033"/>
+              </a:solidFill>
             </a:endParaRPr>
           </a:p>
-          <a:p>
-            <a:pPr algn="ctr">
-              <a:buNone/>
-            </a:pPr>
-            <a:r>
-              <a:rPr lang="zh-TW" altLang="zh-TW" sz="5400" b="1" dirty="0">
-                <a:latin typeface="微軟正黑體" pitchFamily="34" charset="-120"/>
-                <a:ea typeface="微軟正黑體" pitchFamily="34" charset="-120"/>
-              </a:rPr>
-              <a:t>祢</a:t>
-            </a:r>
-            <a:r>
-              <a:rPr lang="zh-TW" altLang="en-US" sz="5400" b="1" dirty="0" smtClean="0">
-                <a:latin typeface="微軟正黑體" pitchFamily="34" charset="-120"/>
-                <a:ea typeface="微軟正黑體" pitchFamily="34" charset="-120"/>
-              </a:rPr>
-              <a:t>的</a:t>
-            </a:r>
-            <a:r>
-              <a:rPr lang="zh-TW" altLang="en-US" sz="5400" b="1" dirty="0">
-                <a:latin typeface="微軟正黑體" pitchFamily="34" charset="-120"/>
-                <a:ea typeface="微軟正黑體" pitchFamily="34" charset="-120"/>
-              </a:rPr>
-              <a:t>大能 遍滿了宇宙</a:t>
-            </a:r>
-            <a:r>
-              <a:rPr lang="zh-TW" altLang="en-US" sz="5400" b="1" dirty="0">
-                <a:latin typeface="微軟正黑體" pitchFamily="34" charset="-120"/>
-                <a:ea typeface="微軟正黑體" pitchFamily="34" charset="-120"/>
-              </a:rPr>
-              <a:t>中</a:t>
-            </a:r>
-            <a:endParaRPr lang="zh-TW" altLang="en-US" sz="5400" b="1" dirty="0">
-              <a:latin typeface="微軟正黑體" pitchFamily="34" charset="-120"/>
-              <a:ea typeface="微軟正黑體" pitchFamily="34" charset="-120"/>
-            </a:endParaRPr>
-          </a:p>
         </p:txBody>
       </p:sp>
     </p:spTree>
+    <p:extLst>
+      <p:ext uri="{BB962C8B-B14F-4D97-AF65-F5344CB8AC3E}">
+        <p14:creationId xmlns:p14="http://schemas.microsoft.com/office/powerpoint/2010/main" val="846324053"/>
+      </p:ext>
+    </p:extLst>
   </p:cSld>
   <p:clrMapOvr>
     <a:masterClrMapping/>
@@ -3385,36 +3414,75 @@
       </p:grpSpPr>
       <p:sp>
         <p:nvSpPr>
-          <p:cNvPr id="4" name="標題 3"/>
-          <p:cNvSpPr>
-            <a:spLocks noGrp="1"/>
-          </p:cNvSpPr>
-          <p:nvPr>
-            <p:ph type="title"/>
-          </p:nvPr>
-        </p:nvSpPr>
-        <p:spPr/>
-        <p:txBody>
-          <a:bodyPr>
+          <p:cNvPr id="5" name="內容版面配置區 4"/>
+          <p:cNvSpPr>
+            <a:spLocks noGrp="1"/>
+          </p:cNvSpPr>
+          <p:nvPr>
+            <p:ph idx="1"/>
+          </p:nvPr>
+        </p:nvSpPr>
+        <p:spPr>
+          <a:xfrm>
+            <a:off x="0" y="2084853"/>
+            <a:ext cx="12192000" cy="2404863"/>
+          </a:xfrm>
+        </p:spPr>
+        <p:txBody>
+          <a:bodyPr anchor="ctr">
             <a:normAutofit/>
           </a:bodyPr>
           <a:lstStyle/>
           <a:p>
-            <a:r>
-              <a:rPr lang="zh-TW" altLang="zh-TW" b="1" dirty="0">
+            <a:pPr algn="ctr">
+              <a:buNone/>
+            </a:pPr>
+            <a:r>
+              <a:rPr lang="zh-TW" altLang="en-US" sz="6400" b="1" dirty="0">
+                <a:solidFill>
+                  <a:srgbClr val="660033"/>
+                </a:solidFill>
+                <a:latin typeface="微軟正黑體" pitchFamily="34" charset="-120"/>
+                <a:ea typeface="微軟正黑體" pitchFamily="34" charset="-120"/>
+              </a:rPr>
+              <a:t>主啊我神  我每逢舉目觀看</a:t>
+            </a:r>
+            <a:endParaRPr lang="en-US" altLang="zh-TW" sz="6400" b="1" dirty="0">
+              <a:solidFill>
+                <a:srgbClr val="660033"/>
+              </a:solidFill>
+              <a:latin typeface="微軟正黑體" pitchFamily="34" charset="-120"/>
+              <a:ea typeface="微軟正黑體" pitchFamily="34" charset="-120"/>
+            </a:endParaRPr>
+          </a:p>
+          <a:p>
+            <a:pPr algn="ctr">
+              <a:buNone/>
+            </a:pPr>
+            <a:r>
+              <a:rPr lang="zh-TW" altLang="zh-TW" sz="6400" b="1" dirty="0">
+                <a:solidFill>
+                  <a:srgbClr val="660033"/>
+                </a:solidFill>
                 <a:latin typeface="微軟正黑體" pitchFamily="34" charset="-120"/>
                 <a:ea typeface="微軟正黑體" pitchFamily="34" charset="-120"/>
               </a:rPr>
               <a:t>祢</a:t>
             </a:r>
             <a:r>
-              <a:rPr lang="zh-CN" altLang="en-US" b="1" dirty="0">
+              <a:rPr lang="zh-TW" altLang="en-US" sz="6400" b="1" dirty="0">
+                <a:solidFill>
+                  <a:srgbClr val="660033"/>
+                </a:solidFill>
                 <a:latin typeface="微軟正黑體" pitchFamily="34" charset="-120"/>
                 <a:ea typeface="微軟正黑體" pitchFamily="34" charset="-120"/>
               </a:rPr>
-              <a:t>真偉大</a:t>
-            </a:r>
-            <a:endParaRPr lang="zh-TW" altLang="en-US" b="1" dirty="0">
+              <a:t>手所造  一切奇妙大工</a:t>
+            </a:r>
+            <a:endParaRPr lang="en-US" altLang="zh-TW" sz="6400" b="1" dirty="0">
+              <a:solidFill>
+                <a:srgbClr val="660033"/>
+              </a:solidFill>
               <a:latin typeface="微軟正黑體" pitchFamily="34" charset="-120"/>
               <a:ea typeface="微軟正黑體" pitchFamily="34" charset="-120"/>
             </a:endParaRPr>
@@ -3423,122 +3491,49 @@
       </p:sp>
       <p:sp>
         <p:nvSpPr>
-          <p:cNvPr id="5" name="內容版面配置區 4"/>
-          <p:cNvSpPr>
-            <a:spLocks noGrp="1"/>
-          </p:cNvSpPr>
-          <p:nvPr>
-            <p:ph idx="1"/>
-          </p:nvPr>
-        </p:nvSpPr>
-        <p:spPr/>
-        <p:txBody>
-          <a:bodyPr>
-            <a:normAutofit/>
+          <p:cNvPr id="3" name="TextBox 2"/>
+          <p:cNvSpPr txBox="1"/>
+          <p:nvPr/>
+        </p:nvSpPr>
+        <p:spPr>
+          <a:xfrm>
+            <a:off x="0" y="5253203"/>
+            <a:ext cx="12192000" cy="830997"/>
+          </a:xfrm>
+          <a:prstGeom prst="rect">
+            <a:avLst/>
+          </a:prstGeom>
+          <a:noFill/>
+        </p:spPr>
+        <p:txBody>
+          <a:bodyPr wrap="square" rtlCol="0">
+            <a:spAutoFit/>
           </a:bodyPr>
           <a:lstStyle/>
           <a:p>
-            <a:pPr algn="ctr">
-              <a:buNone/>
-            </a:pPr>
-            <a:r>
-              <a:rPr lang="zh-TW" altLang="en-US" sz="5400" b="1" dirty="0">
-                <a:latin typeface="微軟正黑體" pitchFamily="34" charset="-120"/>
-                <a:ea typeface="微軟正黑體" pitchFamily="34" charset="-120"/>
+            <a:pPr algn="ctr"/>
+            <a:r>
+              <a:rPr lang="en-US" sz="4800" b="1" dirty="0">
+                <a:solidFill>
+                  <a:srgbClr val="660033"/>
+                </a:solidFill>
               </a:rPr>
-              <a:t>我靈歌唱 讚美救主我神</a:t>
-            </a:r>
-            <a:endParaRPr lang="en-US" altLang="zh-TW" sz="5400" b="1" dirty="0">
-              <a:latin typeface="微軟正黑體" pitchFamily="34" charset="-120"/>
-              <a:ea typeface="微軟正黑體" pitchFamily="34" charset="-120"/>
+              <a:t>( 1 )</a:t>
+            </a:r>
+            <a:endParaRPr lang="vi-VN" sz="4800" b="1" dirty="0">
+              <a:solidFill>
+                <a:srgbClr val="660033"/>
+              </a:solidFill>
             </a:endParaRPr>
           </a:p>
-          <a:p>
-            <a:pPr algn="ctr">
-              <a:buNone/>
-            </a:pPr>
-            <a:r>
-              <a:rPr lang="zh-TW" altLang="zh-TW" sz="5400" b="1" dirty="0">
-                <a:latin typeface="微軟正黑體" pitchFamily="34" charset="-120"/>
-                <a:ea typeface="微軟正黑體" pitchFamily="34" charset="-120"/>
-              </a:rPr>
-              <a:t>祢</a:t>
-            </a:r>
-            <a:r>
-              <a:rPr lang="zh-TW" altLang="en-US" sz="5400" b="1" dirty="0" smtClean="0">
-                <a:latin typeface="微軟正黑體" pitchFamily="34" charset="-120"/>
-                <a:ea typeface="微軟正黑體" pitchFamily="34" charset="-120"/>
-              </a:rPr>
-              <a:t>真</a:t>
-            </a:r>
-            <a:r>
-              <a:rPr lang="zh-TW" altLang="en-US" sz="5400" b="1" dirty="0">
-                <a:latin typeface="微軟正黑體" pitchFamily="34" charset="-120"/>
-                <a:ea typeface="微軟正黑體" pitchFamily="34" charset="-120"/>
-              </a:rPr>
-              <a:t>偉大 何等偉大</a:t>
-            </a:r>
-            <a:r>
-              <a:rPr lang="en-US" sz="5400" b="1" dirty="0">
-                <a:latin typeface="微軟正黑體" pitchFamily="34" charset="-120"/>
-                <a:ea typeface="微軟正黑體" pitchFamily="34" charset="-120"/>
-              </a:rPr>
-              <a:t> </a:t>
-            </a:r>
-            <a:endParaRPr lang="zh-TW" altLang="en-US" sz="5400" b="1" dirty="0">
-              <a:latin typeface="微軟正黑體" pitchFamily="34" charset="-120"/>
-              <a:ea typeface="微軟正黑體" pitchFamily="34" charset="-120"/>
-            </a:endParaRPr>
-          </a:p>
-          <a:p>
-            <a:pPr algn="ctr">
-              <a:buNone/>
-            </a:pPr>
-            <a:r>
-              <a:rPr lang="zh-TW" altLang="en-US" sz="5400" b="1" dirty="0">
-                <a:latin typeface="微軟正黑體" pitchFamily="34" charset="-120"/>
-                <a:ea typeface="微軟正黑體" pitchFamily="34" charset="-120"/>
-              </a:rPr>
-              <a:t>我靈歌唱 讚美救主我神</a:t>
-            </a:r>
-            <a:endParaRPr lang="en-US" altLang="zh-TW" sz="5400" b="1" dirty="0">
-              <a:latin typeface="微軟正黑體" pitchFamily="34" charset="-120"/>
-              <a:ea typeface="微軟正黑體" pitchFamily="34" charset="-120"/>
-            </a:endParaRPr>
-          </a:p>
-          <a:p>
-            <a:pPr algn="ctr">
-              <a:buNone/>
-            </a:pPr>
-            <a:r>
-              <a:rPr lang="zh-TW" altLang="zh-TW" sz="5400" b="1" dirty="0">
-                <a:latin typeface="微軟正黑體" pitchFamily="34" charset="-120"/>
-                <a:ea typeface="微軟正黑體" pitchFamily="34" charset="-120"/>
-              </a:rPr>
-              <a:t>祢</a:t>
-            </a:r>
-            <a:r>
-              <a:rPr lang="zh-TW" altLang="en-US" sz="5400" b="1" dirty="0" smtClean="0">
-                <a:latin typeface="微軟正黑體" pitchFamily="34" charset="-120"/>
-                <a:ea typeface="微軟正黑體" pitchFamily="34" charset="-120"/>
-              </a:rPr>
-              <a:t>真</a:t>
-            </a:r>
-            <a:r>
-              <a:rPr lang="zh-TW" altLang="en-US" sz="5400" b="1" dirty="0">
-                <a:latin typeface="微軟正黑體" pitchFamily="34" charset="-120"/>
-                <a:ea typeface="微軟正黑體" pitchFamily="34" charset="-120"/>
-              </a:rPr>
-              <a:t>偉大 何等偉大</a:t>
-            </a:r>
-            <a:endParaRPr lang="zh-TW" altLang="en-US" sz="5400" b="1" dirty="0">
-              <a:latin typeface="微軟正黑體" pitchFamily="34" charset="-120"/>
-              <a:ea typeface="微軟正黑體" pitchFamily="34" charset="-120"/>
-            </a:endParaRPr>
-          </a:p>
         </p:txBody>
       </p:sp>
     </p:spTree>
+    <p:extLst>
+      <p:ext uri="{BB962C8B-B14F-4D97-AF65-F5344CB8AC3E}">
+        <p14:creationId xmlns:p14="http://schemas.microsoft.com/office/powerpoint/2010/main" val="923801002"/>
+      </p:ext>
+    </p:extLst>
   </p:cSld>
   <p:clrMapOvr>
     <a:masterClrMapping/>
@@ -3565,36 +3560,75 @@
       </p:grpSpPr>
       <p:sp>
         <p:nvSpPr>
-          <p:cNvPr id="4" name="標題 3"/>
-          <p:cNvSpPr>
-            <a:spLocks noGrp="1"/>
-          </p:cNvSpPr>
-          <p:nvPr>
-            <p:ph type="title"/>
-          </p:nvPr>
-        </p:nvSpPr>
-        <p:spPr/>
-        <p:txBody>
-          <a:bodyPr>
+          <p:cNvPr id="5" name="內容版面配置區 4"/>
+          <p:cNvSpPr>
+            <a:spLocks noGrp="1"/>
+          </p:cNvSpPr>
+          <p:nvPr>
+            <p:ph idx="1"/>
+          </p:nvPr>
+        </p:nvSpPr>
+        <p:spPr>
+          <a:xfrm>
+            <a:off x="0" y="2084853"/>
+            <a:ext cx="12192000" cy="2404863"/>
+          </a:xfrm>
+        </p:spPr>
+        <p:txBody>
+          <a:bodyPr anchor="ctr">
             <a:normAutofit/>
           </a:bodyPr>
           <a:lstStyle/>
           <a:p>
-            <a:r>
-              <a:rPr lang="zh-TW" altLang="zh-TW" b="1" dirty="0">
+            <a:pPr algn="ctr">
+              <a:buNone/>
+            </a:pPr>
+            <a:r>
+              <a:rPr lang="zh-TW" altLang="en-US" sz="6400" b="1" dirty="0">
+                <a:solidFill>
+                  <a:srgbClr val="660033"/>
+                </a:solidFill>
+                <a:latin typeface="微軟正黑體" pitchFamily="34" charset="-120"/>
+                <a:ea typeface="微軟正黑體" pitchFamily="34" charset="-120"/>
+              </a:rPr>
+              <a:t>看見星宿  又聽到隆隆雷聲</a:t>
+            </a:r>
+            <a:endParaRPr lang="en-US" altLang="zh-TW" sz="6400" b="1" dirty="0">
+              <a:solidFill>
+                <a:srgbClr val="660033"/>
+              </a:solidFill>
+              <a:latin typeface="微軟正黑體" pitchFamily="34" charset="-120"/>
+              <a:ea typeface="微軟正黑體" pitchFamily="34" charset="-120"/>
+            </a:endParaRPr>
+          </a:p>
+          <a:p>
+            <a:pPr algn="ctr">
+              <a:buNone/>
+            </a:pPr>
+            <a:r>
+              <a:rPr lang="zh-TW" altLang="zh-TW" sz="6400" b="1" dirty="0">
+                <a:solidFill>
+                  <a:srgbClr val="660033"/>
+                </a:solidFill>
                 <a:latin typeface="微軟正黑體" pitchFamily="34" charset="-120"/>
                 <a:ea typeface="微軟正黑體" pitchFamily="34" charset="-120"/>
               </a:rPr>
               <a:t>祢</a:t>
             </a:r>
             <a:r>
-              <a:rPr lang="zh-CN" altLang="en-US" b="1" dirty="0">
+              <a:rPr lang="zh-TW" altLang="en-US" sz="6400" b="1" dirty="0">
+                <a:solidFill>
+                  <a:srgbClr val="660033"/>
+                </a:solidFill>
                 <a:latin typeface="微軟正黑體" pitchFamily="34" charset="-120"/>
                 <a:ea typeface="微軟正黑體" pitchFamily="34" charset="-120"/>
               </a:rPr>
-              <a:t>真偉大</a:t>
-            </a:r>
-            <a:endParaRPr lang="zh-TW" altLang="en-US" b="1" dirty="0">
+              <a:t>的大能  遍滿了宇宙中</a:t>
+            </a:r>
+            <a:endParaRPr lang="zh-TW" altLang="en-US" sz="6400" b="1" dirty="0">
+              <a:solidFill>
+                <a:srgbClr val="660033"/>
+              </a:solidFill>
               <a:latin typeface="微軟正黑體" pitchFamily="34" charset="-120"/>
               <a:ea typeface="微軟正黑體" pitchFamily="34" charset="-120"/>
             </a:endParaRPr>
@@ -3603,101 +3637,49 @@
       </p:sp>
       <p:sp>
         <p:nvSpPr>
-          <p:cNvPr id="5" name="內容版面配置區 4"/>
-          <p:cNvSpPr>
-            <a:spLocks noGrp="1"/>
-          </p:cNvSpPr>
-          <p:nvPr>
-            <p:ph idx="1"/>
-          </p:nvPr>
-        </p:nvSpPr>
-        <p:spPr/>
-        <p:txBody>
-          <a:bodyPr>
-            <a:normAutofit/>
+          <p:cNvPr id="3" name="TextBox 2"/>
+          <p:cNvSpPr txBox="1"/>
+          <p:nvPr/>
+        </p:nvSpPr>
+        <p:spPr>
+          <a:xfrm>
+            <a:off x="0" y="5253203"/>
+            <a:ext cx="12192000" cy="830997"/>
+          </a:xfrm>
+          <a:prstGeom prst="rect">
+            <a:avLst/>
+          </a:prstGeom>
+          <a:noFill/>
+        </p:spPr>
+        <p:txBody>
+          <a:bodyPr wrap="square" rtlCol="0">
+            <a:spAutoFit/>
           </a:bodyPr>
           <a:lstStyle/>
           <a:p>
-            <a:pPr algn="ctr">
-              <a:buNone/>
-            </a:pPr>
-            <a:r>
-              <a:rPr lang="zh-TW" altLang="en-US" sz="5400" b="1" dirty="0">
-                <a:latin typeface="微軟正黑體" pitchFamily="34" charset="-120"/>
-                <a:ea typeface="微軟正黑體" pitchFamily="34" charset="-120"/>
+            <a:pPr algn="ctr"/>
+            <a:r>
+              <a:rPr lang="en-US" sz="4800" b="1" dirty="0">
+                <a:solidFill>
+                  <a:srgbClr val="660033"/>
+                </a:solidFill>
               </a:rPr>
-              <a:t>當我想到</a:t>
-            </a:r>
-            <a:r>
-              <a:rPr lang="en-US" altLang="zh-TW" sz="5400" b="1" dirty="0">
-                <a:latin typeface="微軟正黑體" pitchFamily="34" charset="-120"/>
-                <a:ea typeface="微軟正黑體" pitchFamily="34" charset="-120"/>
-              </a:rPr>
-              <a:t>  </a:t>
-            </a:r>
-            <a:r>
-              <a:rPr lang="zh-TW" altLang="en-US" sz="5400" b="1" dirty="0">
-                <a:latin typeface="微軟正黑體" pitchFamily="34" charset="-120"/>
-                <a:ea typeface="微軟正黑體" pitchFamily="34" charset="-120"/>
-              </a:rPr>
-              <a:t>神竟願差祂兒子</a:t>
-            </a:r>
-            <a:endParaRPr lang="en-US" altLang="zh-TW" sz="5400" b="1" dirty="0">
-              <a:latin typeface="微軟正黑體" pitchFamily="34" charset="-120"/>
-              <a:ea typeface="微軟正黑體" pitchFamily="34" charset="-120"/>
+              <a:t>( 1 )</a:t>
+            </a:r>
+            <a:endParaRPr lang="vi-VN" sz="4800" b="1" dirty="0">
+              <a:solidFill>
+                <a:srgbClr val="660033"/>
+              </a:solidFill>
             </a:endParaRPr>
           </a:p>
-          <a:p>
-            <a:pPr algn="ctr">
-              <a:buNone/>
-            </a:pPr>
-            <a:r>
-              <a:rPr lang="zh-TW" altLang="en-US" sz="5400" b="1" dirty="0">
-                <a:latin typeface="微軟正黑體" pitchFamily="34" charset="-120"/>
-                <a:ea typeface="微軟正黑體" pitchFamily="34" charset="-120"/>
-              </a:rPr>
-              <a:t>降世捨命  我幾乎不領會</a:t>
-            </a:r>
-            <a:endParaRPr lang="en-US" altLang="zh-TW" sz="5400" b="1" dirty="0">
-              <a:latin typeface="微軟正黑體" pitchFamily="34" charset="-120"/>
-              <a:ea typeface="微軟正黑體" pitchFamily="34" charset="-120"/>
-            </a:endParaRPr>
-          </a:p>
-          <a:p>
-            <a:pPr algn="ctr">
-              <a:buNone/>
-            </a:pPr>
-            <a:r>
-              <a:rPr lang="zh-TW" altLang="en-US" sz="5400" b="1" dirty="0">
-                <a:latin typeface="微軟正黑體" pitchFamily="34" charset="-120"/>
-                <a:ea typeface="微軟正黑體" pitchFamily="34" charset="-120"/>
-              </a:rPr>
-              <a:t>主在十架  甘願背我的重擔</a:t>
-            </a:r>
-            <a:endParaRPr lang="en-US" altLang="zh-TW" sz="5400" b="1" dirty="0">
-              <a:latin typeface="微軟正黑體" pitchFamily="34" charset="-120"/>
-              <a:ea typeface="微軟正黑體" pitchFamily="34" charset="-120"/>
-            </a:endParaRPr>
-          </a:p>
-          <a:p>
-            <a:pPr algn="ctr">
-              <a:buNone/>
-            </a:pPr>
-            <a:r>
-              <a:rPr lang="zh-TW" altLang="en-US" sz="5400" b="1" dirty="0">
-                <a:latin typeface="微軟正黑體" pitchFamily="34" charset="-120"/>
-                <a:ea typeface="微軟正黑體" pitchFamily="34" charset="-120"/>
-              </a:rPr>
-              <a:t>流血捨身  為要赦免我罪</a:t>
-            </a:r>
-            <a:endParaRPr lang="zh-TW" altLang="en-US" sz="5400" b="1" dirty="0">
-              <a:latin typeface="微軟正黑體" pitchFamily="34" charset="-120"/>
-              <a:ea typeface="微軟正黑體" pitchFamily="34" charset="-120"/>
-            </a:endParaRPr>
-          </a:p>
         </p:txBody>
       </p:sp>
     </p:spTree>
+    <p:extLst>
+      <p:ext uri="{BB962C8B-B14F-4D97-AF65-F5344CB8AC3E}">
+        <p14:creationId xmlns:p14="http://schemas.microsoft.com/office/powerpoint/2010/main" val="2020229523"/>
+      </p:ext>
+    </p:extLst>
   </p:cSld>
   <p:clrMapOvr>
     <a:masterClrMapping/>
@@ -3724,160 +3706,136 @@
       </p:grpSpPr>
       <p:sp>
         <p:nvSpPr>
-          <p:cNvPr id="4" name="標題 3"/>
-          <p:cNvSpPr>
-            <a:spLocks noGrp="1"/>
-          </p:cNvSpPr>
-          <p:nvPr>
-            <p:ph type="title"/>
-          </p:nvPr>
-        </p:nvSpPr>
-        <p:spPr/>
-        <p:txBody>
-          <a:bodyPr>
+          <p:cNvPr id="5" name="內容版面配置區 4"/>
+          <p:cNvSpPr>
+            <a:spLocks noGrp="1"/>
+          </p:cNvSpPr>
+          <p:nvPr>
+            <p:ph idx="1"/>
+          </p:nvPr>
+        </p:nvSpPr>
+        <p:spPr>
+          <a:xfrm>
+            <a:off x="0" y="2084853"/>
+            <a:ext cx="12192000" cy="2404863"/>
+          </a:xfrm>
+        </p:spPr>
+        <p:txBody>
+          <a:bodyPr anchor="ctr">
             <a:normAutofit/>
           </a:bodyPr>
           <a:lstStyle/>
           <a:p>
-            <a:r>
-              <a:rPr lang="zh-TW" altLang="zh-TW" b="1" dirty="0">
+            <a:pPr algn="ctr">
+              <a:buNone/>
+            </a:pPr>
+            <a:r>
+              <a:rPr lang="zh-TW" altLang="en-US" sz="6400" b="1" dirty="0">
+                <a:solidFill>
+                  <a:srgbClr val="660033"/>
+                </a:solidFill>
+                <a:latin typeface="微軟正黑體" pitchFamily="34" charset="-120"/>
+                <a:ea typeface="微軟正黑體" pitchFamily="34" charset="-120"/>
+              </a:rPr>
+              <a:t>我靈歌唱  讚美救主我神</a:t>
+            </a:r>
+            <a:endParaRPr lang="en-US" altLang="zh-TW" sz="6400" b="1" dirty="0">
+              <a:solidFill>
+                <a:srgbClr val="660033"/>
+              </a:solidFill>
+              <a:latin typeface="微軟正黑體" pitchFamily="34" charset="-120"/>
+              <a:ea typeface="微軟正黑體" pitchFamily="34" charset="-120"/>
+            </a:endParaRPr>
+          </a:p>
+          <a:p>
+            <a:pPr algn="ctr">
+              <a:buNone/>
+            </a:pPr>
+            <a:r>
+              <a:rPr lang="zh-TW" altLang="zh-TW" sz="6400" b="1" dirty="0">
+                <a:solidFill>
+                  <a:srgbClr val="660033"/>
+                </a:solidFill>
                 <a:latin typeface="微軟正黑體" pitchFamily="34" charset="-120"/>
                 <a:ea typeface="微軟正黑體" pitchFamily="34" charset="-120"/>
               </a:rPr>
               <a:t>祢</a:t>
             </a:r>
             <a:r>
-              <a:rPr lang="zh-CN" altLang="en-US" b="1" dirty="0">
+              <a:rPr lang="zh-TW" altLang="en-US" sz="6400" b="1" dirty="0">
+                <a:solidFill>
+                  <a:srgbClr val="660033"/>
+                </a:solidFill>
                 <a:latin typeface="微軟正黑體" pitchFamily="34" charset="-120"/>
                 <a:ea typeface="微軟正黑體" pitchFamily="34" charset="-120"/>
               </a:rPr>
-              <a:t>真偉大</a:t>
-            </a:r>
-            <a:endParaRPr lang="zh-TW" altLang="en-US" b="1" dirty="0">
-              <a:latin typeface="微軟正黑體" pitchFamily="34" charset="-120"/>
-              <a:ea typeface="微軟正黑體" pitchFamily="34" charset="-120"/>
-            </a:endParaRPr>
-          </a:p>
-        </p:txBody>
-      </p:sp>
-      <p:sp>
-        <p:nvSpPr>
-          <p:cNvPr id="5" name="內容版面配置區 4"/>
-          <p:cNvSpPr>
-            <a:spLocks noGrp="1"/>
-          </p:cNvSpPr>
-          <p:nvPr>
-            <p:ph idx="1"/>
-          </p:nvPr>
-        </p:nvSpPr>
-        <p:spPr/>
-        <p:txBody>
-          <a:bodyPr>
-            <a:normAutofit/>
-          </a:bodyPr>
-          <a:lstStyle/>
-          <a:p>
-            <a:pPr algn="ctr">
-              <a:buNone/>
-            </a:pPr>
-            <a:r>
-              <a:rPr lang="zh-TW" altLang="en-US" sz="5400" b="1" dirty="0">
-                <a:latin typeface="微軟正黑體" pitchFamily="34" charset="-120"/>
-                <a:ea typeface="微軟正黑體" pitchFamily="34" charset="-120"/>
-              </a:rPr>
-              <a:t>我靈歌唱 讚美救主我神</a:t>
-            </a:r>
-            <a:endParaRPr lang="en-US" altLang="zh-TW" sz="5400" b="1" dirty="0">
-              <a:latin typeface="微軟正黑體" pitchFamily="34" charset="-120"/>
-              <a:ea typeface="微軟正黑體" pitchFamily="34" charset="-120"/>
-            </a:endParaRPr>
-          </a:p>
-          <a:p>
-            <a:pPr algn="ctr">
-              <a:buNone/>
-            </a:pPr>
-            <a:r>
-              <a:rPr lang="zh-TW" altLang="zh-TW" sz="5400" b="1" dirty="0">
-                <a:latin typeface="微軟正黑體" pitchFamily="34" charset="-120"/>
-                <a:ea typeface="微軟正黑體" pitchFamily="34" charset="-120"/>
-              </a:rPr>
-              <a:t>祢</a:t>
-            </a:r>
-            <a:r>
-              <a:rPr lang="zh-TW" altLang="en-US" sz="5400" b="1" dirty="0" smtClean="0">
-                <a:latin typeface="微軟正黑體" pitchFamily="34" charset="-120"/>
-                <a:ea typeface="微軟正黑體" pitchFamily="34" charset="-120"/>
-              </a:rPr>
-              <a:t>真</a:t>
-            </a:r>
-            <a:r>
-              <a:rPr lang="zh-TW" altLang="en-US" sz="5400" b="1" dirty="0">
-                <a:latin typeface="微軟正黑體" pitchFamily="34" charset="-120"/>
-                <a:ea typeface="微軟正黑體" pitchFamily="34" charset="-120"/>
-              </a:rPr>
-              <a:t>偉大 何等偉大</a:t>
-            </a:r>
-            <a:r>
-              <a:rPr lang="en-US" sz="5400" b="1" dirty="0">
+              <a:t>真偉大  何等偉大</a:t>
+            </a:r>
+            <a:r>
+              <a:rPr lang="en-US" sz="6400" b="1" dirty="0">
+                <a:solidFill>
+                  <a:srgbClr val="660033"/>
+                </a:solidFill>
                 <a:latin typeface="微軟正黑體" pitchFamily="34" charset="-120"/>
                 <a:ea typeface="微軟正黑體" pitchFamily="34" charset="-120"/>
               </a:rPr>
               <a:t> </a:t>
             </a:r>
-            <a:endParaRPr lang="zh-TW" altLang="en-US" sz="5400" b="1" dirty="0">
+            <a:endParaRPr lang="zh-TW" altLang="en-US" sz="6400" b="1" dirty="0">
+              <a:solidFill>
+                <a:srgbClr val="660033"/>
+              </a:solidFill>
               <a:latin typeface="微軟正黑體" pitchFamily="34" charset="-120"/>
               <a:ea typeface="微軟正黑體" pitchFamily="34" charset="-120"/>
             </a:endParaRPr>
           </a:p>
-          <a:p>
-            <a:pPr algn="ctr">
-              <a:buNone/>
-            </a:pPr>
-            <a:r>
-              <a:rPr lang="zh-TW" altLang="en-US" sz="5400" b="1" dirty="0">
-                <a:latin typeface="微軟正黑體" pitchFamily="34" charset="-120"/>
-                <a:ea typeface="微軟正黑體" pitchFamily="34" charset="-120"/>
+        </p:txBody>
+      </p:sp>
+      <p:sp>
+        <p:nvSpPr>
+          <p:cNvPr id="4" name="TextBox 3"/>
+          <p:cNvSpPr txBox="1"/>
+          <p:nvPr/>
+        </p:nvSpPr>
+        <p:spPr>
+          <a:xfrm>
+            <a:off x="0" y="5253203"/>
+            <a:ext cx="12192000" cy="830997"/>
+          </a:xfrm>
+          <a:prstGeom prst="rect">
+            <a:avLst/>
+          </a:prstGeom>
+          <a:noFill/>
+        </p:spPr>
+        <p:txBody>
+          <a:bodyPr wrap="square" rtlCol="0">
+            <a:spAutoFit/>
+          </a:bodyPr>
+          <a:lstStyle/>
+          <a:p>
+            <a:pPr algn="ctr"/>
+            <a:r>
+              <a:rPr lang="en-US" sz="4800" b="1" dirty="0">
+                <a:solidFill>
+                  <a:srgbClr val="660033"/>
+                </a:solidFill>
               </a:rPr>
-              <a:t>我靈歌唱 讚美救主我神</a:t>
-            </a:r>
-            <a:endParaRPr lang="en-US" altLang="zh-TW" sz="5400" b="1" dirty="0">
-              <a:latin typeface="微軟正黑體" pitchFamily="34" charset="-120"/>
-              <a:ea typeface="微軟正黑體" pitchFamily="34" charset="-120"/>
+              <a:t>( x2 )</a:t>
+            </a:r>
+            <a:endParaRPr lang="vi-VN" sz="4800" b="1" dirty="0">
+              <a:solidFill>
+                <a:srgbClr val="660033"/>
+              </a:solidFill>
             </a:endParaRPr>
           </a:p>
-          <a:p>
-            <a:pPr algn="ctr">
-              <a:buNone/>
-            </a:pPr>
-            <a:r>
-              <a:rPr lang="zh-TW" altLang="zh-TW" sz="5400" b="1" dirty="0">
-                <a:latin typeface="微軟正黑體" pitchFamily="34" charset="-120"/>
-                <a:ea typeface="微軟正黑體" pitchFamily="34" charset="-120"/>
-              </a:rPr>
-              <a:t>祢</a:t>
-            </a:r>
-            <a:r>
-              <a:rPr lang="zh-TW" altLang="en-US" sz="5400" b="1" dirty="0" smtClean="0">
-                <a:latin typeface="微軟正黑體" pitchFamily="34" charset="-120"/>
-                <a:ea typeface="微軟正黑體" pitchFamily="34" charset="-120"/>
-              </a:rPr>
-              <a:t>真</a:t>
-            </a:r>
-            <a:r>
-              <a:rPr lang="zh-TW" altLang="en-US" sz="5400" b="1" dirty="0">
-                <a:latin typeface="微軟正黑體" pitchFamily="34" charset="-120"/>
-                <a:ea typeface="微軟正黑體" pitchFamily="34" charset="-120"/>
-              </a:rPr>
-              <a:t>偉大 何等偉大</a:t>
-            </a:r>
-            <a:endParaRPr lang="zh-TW" altLang="en-US" sz="5400" b="1" dirty="0">
-              <a:latin typeface="微軟正黑體" pitchFamily="34" charset="-120"/>
-              <a:ea typeface="微軟正黑體" pitchFamily="34" charset="-120"/>
-            </a:endParaRPr>
-          </a:p>
         </p:txBody>
       </p:sp>
     </p:spTree>
+    <p:extLst>
+      <p:ext uri="{BB962C8B-B14F-4D97-AF65-F5344CB8AC3E}">
+        <p14:creationId xmlns:p14="http://schemas.microsoft.com/office/powerpoint/2010/main" val="1322265639"/>
+      </p:ext>
+    </p:extLst>
   </p:cSld>
   <p:clrMapOvr>
     <a:masterClrMapping/>
@@ -3904,153 +3862,136 @@
       </p:grpSpPr>
       <p:sp>
         <p:nvSpPr>
-          <p:cNvPr id="4" name="標題 3"/>
-          <p:cNvSpPr>
-            <a:spLocks noGrp="1"/>
-          </p:cNvSpPr>
-          <p:nvPr>
-            <p:ph type="title"/>
-          </p:nvPr>
-        </p:nvSpPr>
-        <p:spPr/>
-        <p:txBody>
-          <a:bodyPr>
+          <p:cNvPr id="5" name="內容版面配置區 4"/>
+          <p:cNvSpPr>
+            <a:spLocks noGrp="1"/>
+          </p:cNvSpPr>
+          <p:nvPr>
+            <p:ph idx="1"/>
+          </p:nvPr>
+        </p:nvSpPr>
+        <p:spPr>
+          <a:xfrm>
+            <a:off x="0" y="2084853"/>
+            <a:ext cx="12192000" cy="2404863"/>
+          </a:xfrm>
+        </p:spPr>
+        <p:txBody>
+          <a:bodyPr anchor="ctr">
             <a:normAutofit/>
           </a:bodyPr>
           <a:lstStyle/>
           <a:p>
-            <a:r>
-              <a:rPr lang="zh-TW" altLang="zh-TW" b="1" dirty="0">
+            <a:pPr algn="ctr">
+              <a:buNone/>
+            </a:pPr>
+            <a:r>
+              <a:rPr lang="zh-TW" altLang="en-US" sz="6400" b="1" dirty="0">
+                <a:solidFill>
+                  <a:srgbClr val="660033"/>
+                </a:solidFill>
                 <a:latin typeface="微軟正黑體" pitchFamily="34" charset="-120"/>
                 <a:ea typeface="微軟正黑體" pitchFamily="34" charset="-120"/>
               </a:rPr>
-              <a:t>祢</a:t>
-            </a:r>
-            <a:r>
-              <a:rPr lang="zh-CN" altLang="en-US" b="1" dirty="0">
+              <a:t>當我想到</a:t>
+            </a:r>
+            <a:r>
+              <a:rPr lang="en-US" altLang="zh-TW" sz="6400" b="1" dirty="0">
+                <a:solidFill>
+                  <a:srgbClr val="660033"/>
+                </a:solidFill>
                 <a:latin typeface="微軟正黑體" pitchFamily="34" charset="-120"/>
                 <a:ea typeface="微軟正黑體" pitchFamily="34" charset="-120"/>
               </a:rPr>
-              <a:t>真偉大</a:t>
-            </a:r>
-            <a:endParaRPr lang="zh-TW" altLang="en-US" b="1" dirty="0">
+              <a:t>  </a:t>
+            </a:r>
+            <a:r>
+              <a:rPr lang="zh-TW" altLang="en-US" sz="6400" b="1" dirty="0">
+                <a:solidFill>
+                  <a:srgbClr val="660033"/>
+                </a:solidFill>
+                <a:latin typeface="微軟正黑體" pitchFamily="34" charset="-120"/>
+                <a:ea typeface="微軟正黑體" pitchFamily="34" charset="-120"/>
+              </a:rPr>
+              <a:t>神竟願差祂兒子</a:t>
+            </a:r>
+            <a:endParaRPr lang="en-US" altLang="zh-TW" sz="6400" b="1" dirty="0">
+              <a:solidFill>
+                <a:srgbClr val="660033"/>
+              </a:solidFill>
               <a:latin typeface="微軟正黑體" pitchFamily="34" charset="-120"/>
               <a:ea typeface="微軟正黑體" pitchFamily="34" charset="-120"/>
             </a:endParaRPr>
           </a:p>
-        </p:txBody>
-      </p:sp>
-      <p:sp>
-        <p:nvSpPr>
-          <p:cNvPr id="5" name="內容版面配置區 4"/>
-          <p:cNvSpPr>
-            <a:spLocks noGrp="1"/>
-          </p:cNvSpPr>
-          <p:nvPr>
-            <p:ph idx="1"/>
-          </p:nvPr>
-        </p:nvSpPr>
-        <p:spPr/>
-        <p:txBody>
-          <a:bodyPr>
-            <a:normAutofit/>
-          </a:bodyPr>
-          <a:lstStyle/>
           <a:p>
             <a:pPr algn="ctr">
               <a:buNone/>
             </a:pPr>
             <a:r>
-              <a:rPr lang="zh-TW" altLang="en-US" sz="5400" b="1" dirty="0">
+              <a:rPr lang="zh-TW" altLang="en-US" sz="6400" b="1" dirty="0">
+                <a:solidFill>
+                  <a:srgbClr val="660033"/>
+                </a:solidFill>
                 <a:latin typeface="微軟正黑體" pitchFamily="34" charset="-120"/>
                 <a:ea typeface="微軟正黑體" pitchFamily="34" charset="-120"/>
               </a:rPr>
-              <a:t>當主再來  歡呼聲響徹天空</a:t>
-            </a:r>
-            <a:endParaRPr lang="en-US" altLang="zh-TW" sz="5400" b="1" dirty="0">
+              <a:t>降世捨命  我幾乎不領會</a:t>
+            </a:r>
+            <a:endParaRPr lang="en-US" altLang="zh-TW" sz="6400" b="1" dirty="0">
+              <a:solidFill>
+                <a:srgbClr val="660033"/>
+              </a:solidFill>
               <a:latin typeface="微軟正黑體" pitchFamily="34" charset="-120"/>
               <a:ea typeface="微軟正黑體" pitchFamily="34" charset="-120"/>
             </a:endParaRPr>
           </a:p>
-          <a:p>
-            <a:pPr algn="ctr">
-              <a:buNone/>
-            </a:pPr>
-            <a:r>
-              <a:rPr lang="zh-TW" altLang="en-US" sz="5400" b="1" dirty="0">
-                <a:latin typeface="微軟正黑體" pitchFamily="34" charset="-120"/>
-                <a:ea typeface="微軟正黑體" pitchFamily="34" charset="-120"/>
+        </p:txBody>
+      </p:sp>
+      <p:sp>
+        <p:nvSpPr>
+          <p:cNvPr id="3" name="TextBox 2"/>
+          <p:cNvSpPr txBox="1"/>
+          <p:nvPr/>
+        </p:nvSpPr>
+        <p:spPr>
+          <a:xfrm>
+            <a:off x="0" y="5253203"/>
+            <a:ext cx="12192000" cy="830997"/>
+          </a:xfrm>
+          <a:prstGeom prst="rect">
+            <a:avLst/>
+          </a:prstGeom>
+          <a:noFill/>
+        </p:spPr>
+        <p:txBody>
+          <a:bodyPr wrap="square" rtlCol="0">
+            <a:spAutoFit/>
+          </a:bodyPr>
+          <a:lstStyle/>
+          <a:p>
+            <a:pPr algn="ctr"/>
+            <a:r>
+              <a:rPr lang="en-US" sz="4800" b="1" dirty="0">
+                <a:solidFill>
+                  <a:srgbClr val="660033"/>
+                </a:solidFill>
               </a:rPr>
-              <a:t>何等喜樂  主接我回天家</a:t>
-            </a:r>
-            <a:endParaRPr lang="en-US" altLang="zh-TW" sz="5400" b="1" dirty="0">
-              <a:latin typeface="微軟正黑體" pitchFamily="34" charset="-120"/>
-              <a:ea typeface="微軟正黑體" pitchFamily="34" charset="-120"/>
+              <a:t>( 2 )</a:t>
+            </a:r>
+            <a:endParaRPr lang="vi-VN" sz="4800" b="1" dirty="0">
+              <a:solidFill>
+                <a:srgbClr val="660033"/>
+              </a:solidFill>
             </a:endParaRPr>
           </a:p>
-          <a:p>
-            <a:pPr algn="ctr">
-              <a:buNone/>
-            </a:pPr>
-            <a:r>
-              <a:rPr lang="zh-TW" altLang="en-US" sz="5400" b="1" dirty="0">
-                <a:latin typeface="微軟正黑體" pitchFamily="34" charset="-120"/>
-                <a:ea typeface="微軟正黑體" pitchFamily="34" charset="-120"/>
-              </a:rPr>
-              <a:t>我要跪下  謙恭的崇拜敬奉</a:t>
-            </a:r>
-            <a:endParaRPr lang="en-US" altLang="zh-TW" sz="5400" b="1" dirty="0">
-              <a:latin typeface="微軟正黑體" pitchFamily="34" charset="-120"/>
-              <a:ea typeface="微軟正黑體" pitchFamily="34" charset="-120"/>
-            </a:endParaRPr>
-          </a:p>
-          <a:p>
-            <a:pPr algn="ctr">
-              <a:buNone/>
-            </a:pPr>
-            <a:r>
-              <a:rPr lang="zh-TW" altLang="en-US" sz="5400" b="1" dirty="0">
-                <a:latin typeface="微軟正黑體" pitchFamily="34" charset="-120"/>
-                <a:ea typeface="微軟正黑體" pitchFamily="34" charset="-120"/>
-              </a:rPr>
-              <a:t>並要頌揚  神</a:t>
-            </a:r>
-            <a:r>
-              <a:rPr lang="zh-TW" altLang="en-US" sz="5400" b="1" dirty="0" smtClean="0">
-                <a:latin typeface="微軟正黑體" pitchFamily="34" charset="-120"/>
-                <a:ea typeface="微軟正黑體" pitchFamily="34" charset="-120"/>
-              </a:rPr>
-              <a:t>啊</a:t>
-            </a:r>
-            <a:r>
-              <a:rPr lang="zh-TW" altLang="zh-TW" sz="5400" b="1" dirty="0">
-                <a:latin typeface="微軟正黑體" pitchFamily="34" charset="-120"/>
-                <a:ea typeface="微軟正黑體" pitchFamily="34" charset="-120"/>
-              </a:rPr>
-              <a:t>祢</a:t>
-            </a:r>
-            <a:r>
-              <a:rPr lang="zh-TW" altLang="en-US" sz="5400" b="1" dirty="0" smtClean="0">
-                <a:latin typeface="微軟正黑體" pitchFamily="34" charset="-120"/>
-                <a:ea typeface="微軟正黑體" pitchFamily="34" charset="-120"/>
-              </a:rPr>
-              <a:t>真</a:t>
-            </a:r>
-            <a:r>
-              <a:rPr lang="zh-TW" altLang="en-US" sz="5400" b="1" dirty="0">
-                <a:latin typeface="微軟正黑體" pitchFamily="34" charset="-120"/>
-                <a:ea typeface="微軟正黑體" pitchFamily="34" charset="-120"/>
-              </a:rPr>
-              <a:t>偉大</a:t>
-            </a:r>
-            <a:endParaRPr lang="zh-TW" altLang="en-US" sz="5400" b="1" dirty="0">
-              <a:latin typeface="微軟正黑體" pitchFamily="34" charset="-120"/>
-              <a:ea typeface="微軟正黑體" pitchFamily="34" charset="-120"/>
-            </a:endParaRPr>
-          </a:p>
         </p:txBody>
       </p:sp>
     </p:spTree>
+    <p:extLst>
+      <p:ext uri="{BB962C8B-B14F-4D97-AF65-F5344CB8AC3E}">
+        <p14:creationId xmlns:p14="http://schemas.microsoft.com/office/powerpoint/2010/main" val="264833749"/>
+      </p:ext>
+    </p:extLst>
   </p:cSld>
   <p:clrMapOvr>
     <a:masterClrMapping/>
@@ -4077,36 +4018,513 @@
       </p:grpSpPr>
       <p:sp>
         <p:nvSpPr>
-          <p:cNvPr id="4" name="標題 3"/>
-          <p:cNvSpPr>
-            <a:spLocks noGrp="1"/>
-          </p:cNvSpPr>
-          <p:nvPr>
-            <p:ph type="title"/>
-          </p:nvPr>
-        </p:nvSpPr>
-        <p:spPr/>
-        <p:txBody>
-          <a:bodyPr>
+          <p:cNvPr id="5" name="內容版面配置區 4"/>
+          <p:cNvSpPr>
+            <a:spLocks noGrp="1"/>
+          </p:cNvSpPr>
+          <p:nvPr>
+            <p:ph idx="1"/>
+          </p:nvPr>
+        </p:nvSpPr>
+        <p:spPr>
+          <a:xfrm>
+            <a:off x="0" y="2084853"/>
+            <a:ext cx="12192000" cy="2404863"/>
+          </a:xfrm>
+        </p:spPr>
+        <p:txBody>
+          <a:bodyPr anchor="ctr">
             <a:normAutofit/>
           </a:bodyPr>
           <a:lstStyle/>
           <a:p>
-            <a:r>
-              <a:rPr lang="zh-TW" altLang="zh-TW" b="1" dirty="0">
+            <a:pPr algn="ctr">
+              <a:buNone/>
+            </a:pPr>
+            <a:r>
+              <a:rPr lang="zh-TW" altLang="en-US" sz="6400" b="1" dirty="0">
+                <a:solidFill>
+                  <a:srgbClr val="660033"/>
+                </a:solidFill>
+                <a:latin typeface="微軟正黑體" pitchFamily="34" charset="-120"/>
+                <a:ea typeface="微軟正黑體" pitchFamily="34" charset="-120"/>
+              </a:rPr>
+              <a:t>主在十架  甘願背我的重擔</a:t>
+            </a:r>
+            <a:endParaRPr lang="en-US" altLang="zh-TW" sz="6400" b="1" dirty="0">
+              <a:solidFill>
+                <a:srgbClr val="660033"/>
+              </a:solidFill>
+              <a:latin typeface="微軟正黑體" pitchFamily="34" charset="-120"/>
+              <a:ea typeface="微軟正黑體" pitchFamily="34" charset="-120"/>
+            </a:endParaRPr>
+          </a:p>
+          <a:p>
+            <a:pPr algn="ctr">
+              <a:buNone/>
+            </a:pPr>
+            <a:r>
+              <a:rPr lang="zh-TW" altLang="en-US" sz="6400" b="1" dirty="0">
+                <a:solidFill>
+                  <a:srgbClr val="660033"/>
+                </a:solidFill>
+                <a:latin typeface="微軟正黑體" pitchFamily="34" charset="-120"/>
+                <a:ea typeface="微軟正黑體" pitchFamily="34" charset="-120"/>
+              </a:rPr>
+              <a:t>流血捨身  為要赦免我罪</a:t>
+            </a:r>
+            <a:endParaRPr lang="zh-TW" altLang="en-US" sz="6400" b="1" dirty="0">
+              <a:solidFill>
+                <a:srgbClr val="660033"/>
+              </a:solidFill>
+              <a:latin typeface="微軟正黑體" pitchFamily="34" charset="-120"/>
+              <a:ea typeface="微軟正黑體" pitchFamily="34" charset="-120"/>
+            </a:endParaRPr>
+          </a:p>
+        </p:txBody>
+      </p:sp>
+      <p:sp>
+        <p:nvSpPr>
+          <p:cNvPr id="3" name="TextBox 2"/>
+          <p:cNvSpPr txBox="1"/>
+          <p:nvPr/>
+        </p:nvSpPr>
+        <p:spPr>
+          <a:xfrm>
+            <a:off x="0" y="5253203"/>
+            <a:ext cx="12192000" cy="830997"/>
+          </a:xfrm>
+          <a:prstGeom prst="rect">
+            <a:avLst/>
+          </a:prstGeom>
+          <a:noFill/>
+        </p:spPr>
+        <p:txBody>
+          <a:bodyPr wrap="square" rtlCol="0">
+            <a:spAutoFit/>
+          </a:bodyPr>
+          <a:lstStyle/>
+          <a:p>
+            <a:pPr algn="ctr"/>
+            <a:r>
+              <a:rPr lang="en-US" sz="4800" b="1" dirty="0">
+                <a:solidFill>
+                  <a:srgbClr val="660033"/>
+                </a:solidFill>
+              </a:rPr>
+              <a:t>( 2 )</a:t>
+            </a:r>
+            <a:endParaRPr lang="vi-VN" sz="4800" b="1" dirty="0">
+              <a:solidFill>
+                <a:srgbClr val="660033"/>
+              </a:solidFill>
+            </a:endParaRPr>
+          </a:p>
+        </p:txBody>
+      </p:sp>
+    </p:spTree>
+    <p:extLst>
+      <p:ext uri="{BB962C8B-B14F-4D97-AF65-F5344CB8AC3E}">
+        <p14:creationId xmlns:p14="http://schemas.microsoft.com/office/powerpoint/2010/main" val="925701962"/>
+      </p:ext>
+    </p:extLst>
+  </p:cSld>
+  <p:clrMapOvr>
+    <a:masterClrMapping/>
+  </p:clrMapOvr>
+</p:sld>
+</file>
+
+<file path=ppt/slides/slide7.xml><?xml version="1.0" encoding="utf-8"?>
+<p:sld xmlns:a="http://schemas.openxmlformats.org/drawingml/2006/main" xmlns:r="http://schemas.openxmlformats.org/officeDocument/2006/relationships" xmlns:p="http://schemas.openxmlformats.org/presentationml/2006/main">
+  <p:cSld>
+    <p:spTree>
+      <p:nvGrpSpPr>
+        <p:cNvPr id="1" name=""/>
+        <p:cNvGrpSpPr/>
+        <p:nvPr/>
+      </p:nvGrpSpPr>
+      <p:grpSpPr>
+        <a:xfrm>
+          <a:off x="0" y="0"/>
+          <a:ext cx="0" cy="0"/>
+          <a:chOff x="0" y="0"/>
+          <a:chExt cx="0" cy="0"/>
+        </a:xfrm>
+      </p:grpSpPr>
+      <p:sp>
+        <p:nvSpPr>
+          <p:cNvPr id="5" name="內容版面配置區 4"/>
+          <p:cNvSpPr>
+            <a:spLocks noGrp="1"/>
+          </p:cNvSpPr>
+          <p:nvPr>
+            <p:ph idx="1"/>
+          </p:nvPr>
+        </p:nvSpPr>
+        <p:spPr>
+          <a:xfrm>
+            <a:off x="0" y="2084853"/>
+            <a:ext cx="12192000" cy="2404863"/>
+          </a:xfrm>
+        </p:spPr>
+        <p:txBody>
+          <a:bodyPr anchor="ctr">
+            <a:normAutofit/>
+          </a:bodyPr>
+          <a:lstStyle/>
+          <a:p>
+            <a:pPr algn="ctr">
+              <a:buNone/>
+            </a:pPr>
+            <a:r>
+              <a:rPr lang="zh-TW" altLang="en-US" sz="6400" b="1" dirty="0">
+                <a:solidFill>
+                  <a:srgbClr val="660033"/>
+                </a:solidFill>
+                <a:latin typeface="微軟正黑體" pitchFamily="34" charset="-120"/>
+                <a:ea typeface="微軟正黑體" pitchFamily="34" charset="-120"/>
+              </a:rPr>
+              <a:t>我靈歌唱  讚美救主我神</a:t>
+            </a:r>
+            <a:endParaRPr lang="en-US" altLang="zh-TW" sz="6400" b="1" dirty="0">
+              <a:solidFill>
+                <a:srgbClr val="660033"/>
+              </a:solidFill>
+              <a:latin typeface="微軟正黑體" pitchFamily="34" charset="-120"/>
+              <a:ea typeface="微軟正黑體" pitchFamily="34" charset="-120"/>
+            </a:endParaRPr>
+          </a:p>
+          <a:p>
+            <a:pPr algn="ctr">
+              <a:buNone/>
+            </a:pPr>
+            <a:r>
+              <a:rPr lang="zh-TW" altLang="zh-TW" sz="6400" b="1" dirty="0">
+                <a:solidFill>
+                  <a:srgbClr val="660033"/>
+                </a:solidFill>
                 <a:latin typeface="微軟正黑體" pitchFamily="34" charset="-120"/>
                 <a:ea typeface="微軟正黑體" pitchFamily="34" charset="-120"/>
               </a:rPr>
               <a:t>祢</a:t>
             </a:r>
             <a:r>
-              <a:rPr lang="zh-CN" altLang="en-US" b="1" dirty="0">
+              <a:rPr lang="zh-TW" altLang="en-US" sz="6400" b="1" dirty="0">
+                <a:solidFill>
+                  <a:srgbClr val="660033"/>
+                </a:solidFill>
+                <a:latin typeface="微軟正黑體" pitchFamily="34" charset="-120"/>
+                <a:ea typeface="微軟正黑體" pitchFamily="34" charset="-120"/>
+              </a:rPr>
+              <a:t>真偉大  何等偉大</a:t>
+            </a:r>
+            <a:r>
+              <a:rPr lang="en-US" sz="6400" b="1" dirty="0">
+                <a:solidFill>
+                  <a:srgbClr val="660033"/>
+                </a:solidFill>
+                <a:latin typeface="微軟正黑體" pitchFamily="34" charset="-120"/>
+                <a:ea typeface="微軟正黑體" pitchFamily="34" charset="-120"/>
+              </a:rPr>
+              <a:t> </a:t>
+            </a:r>
+            <a:endParaRPr lang="zh-TW" altLang="en-US" sz="6400" b="1" dirty="0">
+              <a:solidFill>
+                <a:srgbClr val="660033"/>
+              </a:solidFill>
+              <a:latin typeface="微軟正黑體" pitchFamily="34" charset="-120"/>
+              <a:ea typeface="微軟正黑體" pitchFamily="34" charset="-120"/>
+            </a:endParaRPr>
+          </a:p>
+        </p:txBody>
+      </p:sp>
+      <p:sp>
+        <p:nvSpPr>
+          <p:cNvPr id="4" name="TextBox 3"/>
+          <p:cNvSpPr txBox="1"/>
+          <p:nvPr/>
+        </p:nvSpPr>
+        <p:spPr>
+          <a:xfrm>
+            <a:off x="0" y="5253203"/>
+            <a:ext cx="12192000" cy="830997"/>
+          </a:xfrm>
+          <a:prstGeom prst="rect">
+            <a:avLst/>
+          </a:prstGeom>
+          <a:noFill/>
+        </p:spPr>
+        <p:txBody>
+          <a:bodyPr wrap="square" rtlCol="0">
+            <a:spAutoFit/>
+          </a:bodyPr>
+          <a:lstStyle/>
+          <a:p>
+            <a:pPr algn="ctr"/>
+            <a:r>
+              <a:rPr lang="en-US" sz="4800" b="1" dirty="0">
+                <a:solidFill>
+                  <a:srgbClr val="660033"/>
+                </a:solidFill>
+              </a:rPr>
+              <a:t>( x2 )</a:t>
+            </a:r>
+            <a:endParaRPr lang="vi-VN" sz="4800" b="1" dirty="0">
+              <a:solidFill>
+                <a:srgbClr val="660033"/>
+              </a:solidFill>
+            </a:endParaRPr>
+          </a:p>
+        </p:txBody>
+      </p:sp>
+    </p:spTree>
+    <p:extLst>
+      <p:ext uri="{BB962C8B-B14F-4D97-AF65-F5344CB8AC3E}">
+        <p14:creationId xmlns:p14="http://schemas.microsoft.com/office/powerpoint/2010/main" val="1229689261"/>
+      </p:ext>
+    </p:extLst>
+  </p:cSld>
+  <p:clrMapOvr>
+    <a:masterClrMapping/>
+  </p:clrMapOvr>
+</p:sld>
+</file>
+
+<file path=ppt/slides/slide8.xml><?xml version="1.0" encoding="utf-8"?>
+<p:sld xmlns:a="http://schemas.openxmlformats.org/drawingml/2006/main" xmlns:r="http://schemas.openxmlformats.org/officeDocument/2006/relationships" xmlns:p="http://schemas.openxmlformats.org/presentationml/2006/main">
+  <p:cSld>
+    <p:spTree>
+      <p:nvGrpSpPr>
+        <p:cNvPr id="1" name=""/>
+        <p:cNvGrpSpPr/>
+        <p:nvPr/>
+      </p:nvGrpSpPr>
+      <p:grpSpPr>
+        <a:xfrm>
+          <a:off x="0" y="0"/>
+          <a:ext cx="0" cy="0"/>
+          <a:chOff x="0" y="0"/>
+          <a:chExt cx="0" cy="0"/>
+        </a:xfrm>
+      </p:grpSpPr>
+      <p:sp>
+        <p:nvSpPr>
+          <p:cNvPr id="5" name="內容版面配置區 4"/>
+          <p:cNvSpPr>
+            <a:spLocks noGrp="1"/>
+          </p:cNvSpPr>
+          <p:nvPr>
+            <p:ph idx="1"/>
+          </p:nvPr>
+        </p:nvSpPr>
+        <p:spPr>
+          <a:xfrm>
+            <a:off x="0" y="2084853"/>
+            <a:ext cx="12192000" cy="2404863"/>
+          </a:xfrm>
+        </p:spPr>
+        <p:txBody>
+          <a:bodyPr anchor="ctr">
+            <a:normAutofit/>
+          </a:bodyPr>
+          <a:lstStyle/>
+          <a:p>
+            <a:pPr algn="ctr">
+              <a:buNone/>
+            </a:pPr>
+            <a:r>
+              <a:rPr lang="zh-TW" altLang="en-US" sz="6400" b="1" dirty="0">
+                <a:solidFill>
+                  <a:srgbClr val="660033"/>
+                </a:solidFill>
+                <a:latin typeface="微軟正黑體" pitchFamily="34" charset="-120"/>
+                <a:ea typeface="微軟正黑體" pitchFamily="34" charset="-120"/>
+              </a:rPr>
+              <a:t>當主再來  歡呼聲響徹天空</a:t>
+            </a:r>
+            <a:endParaRPr lang="en-US" altLang="zh-TW" sz="6400" b="1" dirty="0">
+              <a:solidFill>
+                <a:srgbClr val="660033"/>
+              </a:solidFill>
+              <a:latin typeface="微軟正黑體" pitchFamily="34" charset="-120"/>
+              <a:ea typeface="微軟正黑體" pitchFamily="34" charset="-120"/>
+            </a:endParaRPr>
+          </a:p>
+          <a:p>
+            <a:pPr algn="ctr">
+              <a:buNone/>
+            </a:pPr>
+            <a:r>
+              <a:rPr lang="zh-TW" altLang="en-US" sz="6400" b="1" dirty="0">
+                <a:solidFill>
+                  <a:srgbClr val="660033"/>
+                </a:solidFill>
+                <a:latin typeface="微軟正黑體" pitchFamily="34" charset="-120"/>
+                <a:ea typeface="微軟正黑體" pitchFamily="34" charset="-120"/>
+              </a:rPr>
+              <a:t>何等喜樂  主接我回天家</a:t>
+            </a:r>
+            <a:endParaRPr lang="en-US" altLang="zh-TW" sz="6400" b="1" dirty="0">
+              <a:solidFill>
+                <a:srgbClr val="660033"/>
+              </a:solidFill>
+              <a:latin typeface="微軟正黑體" pitchFamily="34" charset="-120"/>
+              <a:ea typeface="微軟正黑體" pitchFamily="34" charset="-120"/>
+            </a:endParaRPr>
+          </a:p>
+        </p:txBody>
+      </p:sp>
+      <p:sp>
+        <p:nvSpPr>
+          <p:cNvPr id="3" name="TextBox 2"/>
+          <p:cNvSpPr txBox="1"/>
+          <p:nvPr/>
+        </p:nvSpPr>
+        <p:spPr>
+          <a:xfrm>
+            <a:off x="0" y="5253203"/>
+            <a:ext cx="12192000" cy="830997"/>
+          </a:xfrm>
+          <a:prstGeom prst="rect">
+            <a:avLst/>
+          </a:prstGeom>
+          <a:noFill/>
+        </p:spPr>
+        <p:txBody>
+          <a:bodyPr wrap="square" rtlCol="0">
+            <a:spAutoFit/>
+          </a:bodyPr>
+          <a:lstStyle/>
+          <a:p>
+            <a:pPr algn="ctr"/>
+            <a:r>
+              <a:rPr lang="en-US" sz="4800" b="1" dirty="0">
+                <a:solidFill>
+                  <a:srgbClr val="660033"/>
+                </a:solidFill>
+              </a:rPr>
+              <a:t>( 3 )</a:t>
+            </a:r>
+            <a:endParaRPr lang="vi-VN" sz="4800" b="1" dirty="0">
+              <a:solidFill>
+                <a:srgbClr val="660033"/>
+              </a:solidFill>
+            </a:endParaRPr>
+          </a:p>
+        </p:txBody>
+      </p:sp>
+    </p:spTree>
+    <p:extLst>
+      <p:ext uri="{BB962C8B-B14F-4D97-AF65-F5344CB8AC3E}">
+        <p14:creationId xmlns:p14="http://schemas.microsoft.com/office/powerpoint/2010/main" val="3611744933"/>
+      </p:ext>
+    </p:extLst>
+  </p:cSld>
+  <p:clrMapOvr>
+    <a:masterClrMapping/>
+  </p:clrMapOvr>
+</p:sld>
+</file>
+
+<file path=ppt/slides/slide9.xml><?xml version="1.0" encoding="utf-8"?>
+<p:sld xmlns:a="http://schemas.openxmlformats.org/drawingml/2006/main" xmlns:r="http://schemas.openxmlformats.org/officeDocument/2006/relationships" xmlns:p="http://schemas.openxmlformats.org/presentationml/2006/main">
+  <p:cSld>
+    <p:spTree>
+      <p:nvGrpSpPr>
+        <p:cNvPr id="1" name=""/>
+        <p:cNvGrpSpPr/>
+        <p:nvPr/>
+      </p:nvGrpSpPr>
+      <p:grpSpPr>
+        <a:xfrm>
+          <a:off x="0" y="0"/>
+          <a:ext cx="0" cy="0"/>
+          <a:chOff x="0" y="0"/>
+          <a:chExt cx="0" cy="0"/>
+        </a:xfrm>
+      </p:grpSpPr>
+      <p:sp>
+        <p:nvSpPr>
+          <p:cNvPr id="5" name="內容版面配置區 4"/>
+          <p:cNvSpPr>
+            <a:spLocks noGrp="1"/>
+          </p:cNvSpPr>
+          <p:nvPr>
+            <p:ph idx="1"/>
+          </p:nvPr>
+        </p:nvSpPr>
+        <p:spPr>
+          <a:xfrm>
+            <a:off x="0" y="2084853"/>
+            <a:ext cx="12192000" cy="2404863"/>
+          </a:xfrm>
+        </p:spPr>
+        <p:txBody>
+          <a:bodyPr anchor="ctr">
+            <a:normAutofit/>
+          </a:bodyPr>
+          <a:lstStyle/>
+          <a:p>
+            <a:pPr algn="ctr">
+              <a:buNone/>
+            </a:pPr>
+            <a:r>
+              <a:rPr lang="zh-TW" altLang="en-US" sz="6400" b="1" dirty="0">
+                <a:solidFill>
+                  <a:srgbClr val="660033"/>
+                </a:solidFill>
+                <a:latin typeface="微軟正黑體" pitchFamily="34" charset="-120"/>
+                <a:ea typeface="微軟正黑體" pitchFamily="34" charset="-120"/>
+              </a:rPr>
+              <a:t>我要跪下  謙恭的崇拜敬奉</a:t>
+            </a:r>
+            <a:endParaRPr lang="en-US" altLang="zh-TW" sz="6400" b="1" dirty="0">
+              <a:solidFill>
+                <a:srgbClr val="660033"/>
+              </a:solidFill>
+              <a:latin typeface="微軟正黑體" pitchFamily="34" charset="-120"/>
+              <a:ea typeface="微軟正黑體" pitchFamily="34" charset="-120"/>
+            </a:endParaRPr>
+          </a:p>
+          <a:p>
+            <a:pPr algn="ctr">
+              <a:buNone/>
+            </a:pPr>
+            <a:r>
+              <a:rPr lang="zh-TW" altLang="en-US" sz="6400" b="1" dirty="0">
+                <a:solidFill>
+                  <a:srgbClr val="660033"/>
+                </a:solidFill>
+                <a:latin typeface="微軟正黑體" pitchFamily="34" charset="-120"/>
+                <a:ea typeface="微軟正黑體" pitchFamily="34" charset="-120"/>
+              </a:rPr>
+              <a:t>並要頌揚  神啊</a:t>
+            </a:r>
+            <a:r>
+              <a:rPr lang="zh-TW" altLang="zh-TW" sz="6400" b="1" dirty="0">
+                <a:solidFill>
+                  <a:srgbClr val="660033"/>
+                </a:solidFill>
+                <a:latin typeface="微軟正黑體" pitchFamily="34" charset="-120"/>
+                <a:ea typeface="微軟正黑體" pitchFamily="34" charset="-120"/>
+              </a:rPr>
+              <a:t>祢</a:t>
+            </a:r>
+            <a:r>
+              <a:rPr lang="zh-TW" altLang="en-US" sz="6400" b="1" dirty="0">
+                <a:solidFill>
+                  <a:srgbClr val="660033"/>
+                </a:solidFill>
                 <a:latin typeface="微軟正黑體" pitchFamily="34" charset="-120"/>
                 <a:ea typeface="微軟正黑體" pitchFamily="34" charset="-120"/>
               </a:rPr>
               <a:t>真偉大</a:t>
             </a:r>
-            <a:endParaRPr lang="zh-TW" altLang="en-US" b="1" dirty="0">
+            <a:endParaRPr lang="zh-TW" altLang="en-US" sz="6400" b="1" dirty="0">
+              <a:solidFill>
+                <a:srgbClr val="660033"/>
+              </a:solidFill>
               <a:latin typeface="微軟正黑體" pitchFamily="34" charset="-120"/>
               <a:ea typeface="微軟正黑體" pitchFamily="34" charset="-120"/>
             </a:endParaRPr>
@@ -4115,122 +4533,49 @@
       </p:sp>
       <p:sp>
         <p:nvSpPr>
-          <p:cNvPr id="5" name="內容版面配置區 4"/>
-          <p:cNvSpPr>
-            <a:spLocks noGrp="1"/>
-          </p:cNvSpPr>
-          <p:nvPr>
-            <p:ph idx="1"/>
-          </p:nvPr>
-        </p:nvSpPr>
-        <p:spPr/>
-        <p:txBody>
-          <a:bodyPr>
-            <a:normAutofit/>
+          <p:cNvPr id="3" name="TextBox 2"/>
+          <p:cNvSpPr txBox="1"/>
+          <p:nvPr/>
+        </p:nvSpPr>
+        <p:spPr>
+          <a:xfrm>
+            <a:off x="0" y="5253203"/>
+            <a:ext cx="12192000" cy="830997"/>
+          </a:xfrm>
+          <a:prstGeom prst="rect">
+            <a:avLst/>
+          </a:prstGeom>
+          <a:noFill/>
+        </p:spPr>
+        <p:txBody>
+          <a:bodyPr wrap="square" rtlCol="0">
+            <a:spAutoFit/>
           </a:bodyPr>
           <a:lstStyle/>
           <a:p>
-            <a:pPr algn="ctr">
-              <a:buNone/>
-            </a:pPr>
-            <a:r>
-              <a:rPr lang="zh-TW" altLang="en-US" sz="5400" b="1" dirty="0">
-                <a:latin typeface="微軟正黑體" pitchFamily="34" charset="-120"/>
-                <a:ea typeface="微軟正黑體" pitchFamily="34" charset="-120"/>
+            <a:pPr algn="ctr"/>
+            <a:r>
+              <a:rPr lang="en-US" sz="4800" b="1" dirty="0">
+                <a:solidFill>
+                  <a:srgbClr val="660033"/>
+                </a:solidFill>
               </a:rPr>
-              <a:t>我靈歌唱 讚美救主我神</a:t>
-            </a:r>
-            <a:endParaRPr lang="en-US" altLang="zh-TW" sz="5400" b="1" dirty="0">
-              <a:latin typeface="微軟正黑體" pitchFamily="34" charset="-120"/>
-              <a:ea typeface="微軟正黑體" pitchFamily="34" charset="-120"/>
+              <a:t>( 3 )</a:t>
+            </a:r>
+            <a:endParaRPr lang="vi-VN" sz="4800" b="1" dirty="0">
+              <a:solidFill>
+                <a:srgbClr val="660033"/>
+              </a:solidFill>
             </a:endParaRPr>
           </a:p>
-          <a:p>
-            <a:pPr algn="ctr">
-              <a:buNone/>
-            </a:pPr>
-            <a:r>
-              <a:rPr lang="zh-TW" altLang="zh-TW" sz="5400" b="1" dirty="0">
-                <a:latin typeface="微軟正黑體" pitchFamily="34" charset="-120"/>
-                <a:ea typeface="微軟正黑體" pitchFamily="34" charset="-120"/>
-              </a:rPr>
-              <a:t>祢</a:t>
-            </a:r>
-            <a:r>
-              <a:rPr lang="zh-TW" altLang="en-US" sz="5400" b="1" dirty="0" smtClean="0">
-                <a:latin typeface="微軟正黑體" pitchFamily="34" charset="-120"/>
-                <a:ea typeface="微軟正黑體" pitchFamily="34" charset="-120"/>
-              </a:rPr>
-              <a:t>真</a:t>
-            </a:r>
-            <a:r>
-              <a:rPr lang="zh-TW" altLang="en-US" sz="5400" b="1" dirty="0">
-                <a:latin typeface="微軟正黑體" pitchFamily="34" charset="-120"/>
-                <a:ea typeface="微軟正黑體" pitchFamily="34" charset="-120"/>
-              </a:rPr>
-              <a:t>偉大 何等偉大</a:t>
-            </a:r>
-            <a:r>
-              <a:rPr lang="en-US" sz="5400" b="1" dirty="0">
-                <a:latin typeface="微軟正黑體" pitchFamily="34" charset="-120"/>
-                <a:ea typeface="微軟正黑體" pitchFamily="34" charset="-120"/>
-              </a:rPr>
-              <a:t> </a:t>
-            </a:r>
-            <a:endParaRPr lang="zh-TW" altLang="en-US" sz="5400" b="1" dirty="0">
-              <a:latin typeface="微軟正黑體" pitchFamily="34" charset="-120"/>
-              <a:ea typeface="微軟正黑體" pitchFamily="34" charset="-120"/>
-            </a:endParaRPr>
-          </a:p>
-          <a:p>
-            <a:pPr algn="ctr">
-              <a:buNone/>
-            </a:pPr>
-            <a:r>
-              <a:rPr lang="zh-TW" altLang="en-US" sz="5400" b="1" dirty="0">
-                <a:latin typeface="微軟正黑體" pitchFamily="34" charset="-120"/>
-                <a:ea typeface="微軟正黑體" pitchFamily="34" charset="-120"/>
-              </a:rPr>
-              <a:t>我靈歌唱 讚美救主我神</a:t>
-            </a:r>
-            <a:endParaRPr lang="en-US" altLang="zh-TW" sz="5400" b="1" dirty="0">
-              <a:latin typeface="微軟正黑體" pitchFamily="34" charset="-120"/>
-              <a:ea typeface="微軟正黑體" pitchFamily="34" charset="-120"/>
-            </a:endParaRPr>
-          </a:p>
-          <a:p>
-            <a:pPr algn="ctr">
-              <a:buNone/>
-            </a:pPr>
-            <a:r>
-              <a:rPr lang="zh-TW" altLang="zh-TW" sz="5400" b="1" dirty="0">
-                <a:latin typeface="微軟正黑體" pitchFamily="34" charset="-120"/>
-                <a:ea typeface="微軟正黑體" pitchFamily="34" charset="-120"/>
-              </a:rPr>
-              <a:t>祢</a:t>
-            </a:r>
-            <a:r>
-              <a:rPr lang="zh-TW" altLang="en-US" sz="5400" b="1" dirty="0" smtClean="0">
-                <a:latin typeface="微軟正黑體" pitchFamily="34" charset="-120"/>
-                <a:ea typeface="微軟正黑體" pitchFamily="34" charset="-120"/>
-              </a:rPr>
-              <a:t>真</a:t>
-            </a:r>
-            <a:r>
-              <a:rPr lang="zh-TW" altLang="en-US" sz="5400" b="1" dirty="0">
-                <a:latin typeface="微軟正黑體" pitchFamily="34" charset="-120"/>
-                <a:ea typeface="微軟正黑體" pitchFamily="34" charset="-120"/>
-              </a:rPr>
-              <a:t>偉大 何等偉大</a:t>
-            </a:r>
-            <a:endParaRPr lang="zh-TW" altLang="en-US" sz="5400" b="1" dirty="0">
-              <a:latin typeface="微軟正黑體" pitchFamily="34" charset="-120"/>
-              <a:ea typeface="微軟正黑體" pitchFamily="34" charset="-120"/>
-            </a:endParaRPr>
-          </a:p>
         </p:txBody>
       </p:sp>
     </p:spTree>
+    <p:extLst>
+      <p:ext uri="{BB962C8B-B14F-4D97-AF65-F5344CB8AC3E}">
+        <p14:creationId xmlns:p14="http://schemas.microsoft.com/office/powerpoint/2010/main" val="2606082775"/>
+      </p:ext>
+    </p:extLst>
   </p:cSld>
   <p:clrMapOvr>
     <a:masterClrMapping/>

--- a/青年聖歌I/(青年聖歌I6)你真偉大.pptx
+++ b/青年聖歌I/(青年聖歌I6)你真偉大.pptx
@@ -314,7 +314,7 @@
             <a:fld id="{18D434DE-7E94-479A-8252-0F1D004EB8DD}" type="datetimeFigureOut">
               <a:rPr lang="zh-TW" altLang="en-US" smtClean="0"/>
               <a:pPr/>
-              <a:t>2021/1/30</a:t>
+              <a:t>2022/10/8</a:t>
             </a:fld>
             <a:endParaRPr lang="zh-TW" altLang="en-US"/>
           </a:p>
@@ -486,7 +486,7 @@
             <a:fld id="{18D434DE-7E94-479A-8252-0F1D004EB8DD}" type="datetimeFigureOut">
               <a:rPr lang="zh-TW" altLang="en-US" smtClean="0"/>
               <a:pPr/>
-              <a:t>2021/1/30</a:t>
+              <a:t>2022/10/8</a:t>
             </a:fld>
             <a:endParaRPr lang="zh-TW" altLang="en-US"/>
           </a:p>
@@ -668,7 +668,7 @@
             <a:fld id="{18D434DE-7E94-479A-8252-0F1D004EB8DD}" type="datetimeFigureOut">
               <a:rPr lang="zh-TW" altLang="en-US" smtClean="0"/>
               <a:pPr/>
-              <a:t>2021/1/30</a:t>
+              <a:t>2022/10/8</a:t>
             </a:fld>
             <a:endParaRPr lang="zh-TW" altLang="en-US"/>
           </a:p>
@@ -840,7 +840,7 @@
             <a:fld id="{18D434DE-7E94-479A-8252-0F1D004EB8DD}" type="datetimeFigureOut">
               <a:rPr lang="zh-TW" altLang="en-US" smtClean="0"/>
               <a:pPr/>
-              <a:t>2021/1/30</a:t>
+              <a:t>2022/10/8</a:t>
             </a:fld>
             <a:endParaRPr lang="zh-TW" altLang="en-US"/>
           </a:p>
@@ -1088,7 +1088,7 @@
             <a:fld id="{18D434DE-7E94-479A-8252-0F1D004EB8DD}" type="datetimeFigureOut">
               <a:rPr lang="zh-TW" altLang="en-US" smtClean="0"/>
               <a:pPr/>
-              <a:t>2021/1/30</a:t>
+              <a:t>2022/10/8</a:t>
             </a:fld>
             <a:endParaRPr lang="zh-TW" altLang="en-US"/>
           </a:p>
@@ -1378,7 +1378,7 @@
             <a:fld id="{18D434DE-7E94-479A-8252-0F1D004EB8DD}" type="datetimeFigureOut">
               <a:rPr lang="zh-TW" altLang="en-US" smtClean="0"/>
               <a:pPr/>
-              <a:t>2021/1/30</a:t>
+              <a:t>2022/10/8</a:t>
             </a:fld>
             <a:endParaRPr lang="zh-TW" altLang="en-US"/>
           </a:p>
@@ -1802,7 +1802,7 @@
             <a:fld id="{18D434DE-7E94-479A-8252-0F1D004EB8DD}" type="datetimeFigureOut">
               <a:rPr lang="zh-TW" altLang="en-US" smtClean="0"/>
               <a:pPr/>
-              <a:t>2021/1/30</a:t>
+              <a:t>2022/10/8</a:t>
             </a:fld>
             <a:endParaRPr lang="zh-TW" altLang="en-US"/>
           </a:p>
@@ -1922,7 +1922,7 @@
             <a:fld id="{18D434DE-7E94-479A-8252-0F1D004EB8DD}" type="datetimeFigureOut">
               <a:rPr lang="zh-TW" altLang="en-US" smtClean="0"/>
               <a:pPr/>
-              <a:t>2021/1/30</a:t>
+              <a:t>2022/10/8</a:t>
             </a:fld>
             <a:endParaRPr lang="zh-TW" altLang="en-US"/>
           </a:p>
@@ -2019,7 +2019,7 @@
             <a:fld id="{18D434DE-7E94-479A-8252-0F1D004EB8DD}" type="datetimeFigureOut">
               <a:rPr lang="zh-TW" altLang="en-US" smtClean="0"/>
               <a:pPr/>
-              <a:t>2021/1/30</a:t>
+              <a:t>2022/10/8</a:t>
             </a:fld>
             <a:endParaRPr lang="zh-TW" altLang="en-US"/>
           </a:p>
@@ -2298,7 +2298,7 @@
             <a:fld id="{18D434DE-7E94-479A-8252-0F1D004EB8DD}" type="datetimeFigureOut">
               <a:rPr lang="zh-TW" altLang="en-US" smtClean="0"/>
               <a:pPr/>
-              <a:t>2021/1/30</a:t>
+              <a:t>2022/10/8</a:t>
             </a:fld>
             <a:endParaRPr lang="zh-TW" altLang="en-US"/>
           </a:p>
@@ -2557,7 +2557,7 @@
             <a:fld id="{18D434DE-7E94-479A-8252-0F1D004EB8DD}" type="datetimeFigureOut">
               <a:rPr lang="zh-TW" altLang="en-US" smtClean="0"/>
               <a:pPr/>
-              <a:t>2021/1/30</a:t>
+              <a:t>2022/10/8</a:t>
             </a:fld>
             <a:endParaRPr lang="zh-TW" altLang="en-US"/>
           </a:p>
@@ -2777,7 +2777,7 @@
             <a:fld id="{18D434DE-7E94-479A-8252-0F1D004EB8DD}" type="datetimeFigureOut">
               <a:rPr lang="zh-TW" altLang="en-US" smtClean="0"/>
               <a:pPr/>
-              <a:t>2021/1/30</a:t>
+              <a:t>2022/10/8</a:t>
             </a:fld>
             <a:endParaRPr lang="zh-TW" altLang="en-US"/>
           </a:p>
@@ -3518,7 +3518,23 @@
                   <a:srgbClr val="660033"/>
                 </a:solidFill>
               </a:rPr>
-              <a:t>( 1 )</a:t>
+              <a:t>( </a:t>
+            </a:r>
+            <a:r>
+              <a:rPr lang="en-US" sz="4800" b="1" dirty="0" smtClean="0">
+                <a:solidFill>
+                  <a:srgbClr val="660033"/>
+                </a:solidFill>
+              </a:rPr>
+              <a:t>1 / 3 </a:t>
+            </a:r>
+            <a:r>
+              <a:rPr lang="en-US" sz="4800" b="1" dirty="0">
+                <a:solidFill>
+                  <a:srgbClr val="660033"/>
+                </a:solidFill>
+              </a:rPr>
+              <a:t>)</a:t>
             </a:r>
             <a:endParaRPr lang="vi-VN" sz="4800" b="1" dirty="0">
               <a:solidFill>
@@ -3625,13 +3641,6 @@
               </a:rPr>
               <a:t>的大能  遍滿了宇宙中</a:t>
             </a:r>
-            <a:endParaRPr lang="zh-TW" altLang="en-US" sz="6400" b="1" dirty="0">
-              <a:solidFill>
-                <a:srgbClr val="660033"/>
-              </a:solidFill>
-              <a:latin typeface="微軟正黑體" pitchFamily="34" charset="-120"/>
-              <a:ea typeface="微軟正黑體" pitchFamily="34" charset="-120"/>
-            </a:endParaRPr>
           </a:p>
         </p:txBody>
       </p:sp>
@@ -3664,7 +3673,7 @@
                   <a:srgbClr val="660033"/>
                 </a:solidFill>
               </a:rPr>
-              <a:t>( 1 )</a:t>
+              <a:t>( 1 / 3 )</a:t>
             </a:r>
             <a:endParaRPr lang="vi-VN" sz="4800" b="1" dirty="0">
               <a:solidFill>
@@ -3976,7 +3985,23 @@
                   <a:srgbClr val="660033"/>
                 </a:solidFill>
               </a:rPr>
-              <a:t>( 2 )</a:t>
+              <a:t>( </a:t>
+            </a:r>
+            <a:r>
+              <a:rPr lang="en-US" sz="4800" b="1" dirty="0" smtClean="0">
+                <a:solidFill>
+                  <a:srgbClr val="660033"/>
+                </a:solidFill>
+              </a:rPr>
+              <a:t>2 </a:t>
+            </a:r>
+            <a:r>
+              <a:rPr lang="en-US" sz="4800" b="1" dirty="0">
+                <a:solidFill>
+                  <a:srgbClr val="660033"/>
+                </a:solidFill>
+              </a:rPr>
+              <a:t>/ 3 )</a:t>
             </a:r>
             <a:endParaRPr lang="vi-VN" sz="4800" b="1" dirty="0">
               <a:solidFill>
@@ -4073,13 +4098,6 @@
               </a:rPr>
               <a:t>流血捨身  為要赦免我罪</a:t>
             </a:r>
-            <a:endParaRPr lang="zh-TW" altLang="en-US" sz="6400" b="1" dirty="0">
-              <a:solidFill>
-                <a:srgbClr val="660033"/>
-              </a:solidFill>
-              <a:latin typeface="微軟正黑體" pitchFamily="34" charset="-120"/>
-              <a:ea typeface="微軟正黑體" pitchFamily="34" charset="-120"/>
-            </a:endParaRPr>
           </a:p>
         </p:txBody>
       </p:sp>
@@ -4112,7 +4130,7 @@
                   <a:srgbClr val="660033"/>
                 </a:solidFill>
               </a:rPr>
-              <a:t>( 2 )</a:t>
+              <a:t>( 2 / 3 )</a:t>
             </a:r>
             <a:endParaRPr lang="vi-VN" sz="4800" b="1" dirty="0">
               <a:solidFill>
@@ -4404,7 +4422,23 @@
                   <a:srgbClr val="660033"/>
                 </a:solidFill>
               </a:rPr>
-              <a:t>( 3 )</a:t>
+              <a:t>( </a:t>
+            </a:r>
+            <a:r>
+              <a:rPr lang="en-US" sz="4800" b="1" dirty="0" smtClean="0">
+                <a:solidFill>
+                  <a:srgbClr val="660033"/>
+                </a:solidFill>
+              </a:rPr>
+              <a:t>3 </a:t>
+            </a:r>
+            <a:r>
+              <a:rPr lang="en-US" sz="4800" b="1" dirty="0">
+                <a:solidFill>
+                  <a:srgbClr val="660033"/>
+                </a:solidFill>
+              </a:rPr>
+              <a:t>/ 3 )</a:t>
             </a:r>
             <a:endParaRPr lang="vi-VN" sz="4800" b="1" dirty="0">
               <a:solidFill>
@@ -4521,13 +4555,6 @@
               </a:rPr>
               <a:t>真偉大</a:t>
             </a:r>
-            <a:endParaRPr lang="zh-TW" altLang="en-US" sz="6400" b="1" dirty="0">
-              <a:solidFill>
-                <a:srgbClr val="660033"/>
-              </a:solidFill>
-              <a:latin typeface="微軟正黑體" pitchFamily="34" charset="-120"/>
-              <a:ea typeface="微軟正黑體" pitchFamily="34" charset="-120"/>
-            </a:endParaRPr>
           </a:p>
         </p:txBody>
       </p:sp>
@@ -4560,7 +4587,7 @@
                   <a:srgbClr val="660033"/>
                 </a:solidFill>
               </a:rPr>
-              <a:t>( 3 )</a:t>
+              <a:t>( 3 / 3 )</a:t>
             </a:r>
             <a:endParaRPr lang="vi-VN" sz="4800" b="1" dirty="0">
               <a:solidFill>

--- a/青年聖歌I/(青年聖歌I6)你真偉大.pptx
+++ b/青年聖歌I/(青年聖歌I6)你真偉大.pptx
@@ -314,7 +314,7 @@
             <a:fld id="{18D434DE-7E94-479A-8252-0F1D004EB8DD}" type="datetimeFigureOut">
               <a:rPr lang="zh-TW" altLang="en-US" smtClean="0"/>
               <a:pPr/>
-              <a:t>2022/10/8</a:t>
+              <a:t>2022/12/31</a:t>
             </a:fld>
             <a:endParaRPr lang="zh-TW" altLang="en-US"/>
           </a:p>
@@ -486,7 +486,7 @@
             <a:fld id="{18D434DE-7E94-479A-8252-0F1D004EB8DD}" type="datetimeFigureOut">
               <a:rPr lang="zh-TW" altLang="en-US" smtClean="0"/>
               <a:pPr/>
-              <a:t>2022/10/8</a:t>
+              <a:t>2022/12/31</a:t>
             </a:fld>
             <a:endParaRPr lang="zh-TW" altLang="en-US"/>
           </a:p>
@@ -668,7 +668,7 @@
             <a:fld id="{18D434DE-7E94-479A-8252-0F1D004EB8DD}" type="datetimeFigureOut">
               <a:rPr lang="zh-TW" altLang="en-US" smtClean="0"/>
               <a:pPr/>
-              <a:t>2022/10/8</a:t>
+              <a:t>2022/12/31</a:t>
             </a:fld>
             <a:endParaRPr lang="zh-TW" altLang="en-US"/>
           </a:p>
@@ -840,7 +840,7 @@
             <a:fld id="{18D434DE-7E94-479A-8252-0F1D004EB8DD}" type="datetimeFigureOut">
               <a:rPr lang="zh-TW" altLang="en-US" smtClean="0"/>
               <a:pPr/>
-              <a:t>2022/10/8</a:t>
+              <a:t>2022/12/31</a:t>
             </a:fld>
             <a:endParaRPr lang="zh-TW" altLang="en-US"/>
           </a:p>
@@ -1088,7 +1088,7 @@
             <a:fld id="{18D434DE-7E94-479A-8252-0F1D004EB8DD}" type="datetimeFigureOut">
               <a:rPr lang="zh-TW" altLang="en-US" smtClean="0"/>
               <a:pPr/>
-              <a:t>2022/10/8</a:t>
+              <a:t>2022/12/31</a:t>
             </a:fld>
             <a:endParaRPr lang="zh-TW" altLang="en-US"/>
           </a:p>
@@ -1378,7 +1378,7 @@
             <a:fld id="{18D434DE-7E94-479A-8252-0F1D004EB8DD}" type="datetimeFigureOut">
               <a:rPr lang="zh-TW" altLang="en-US" smtClean="0"/>
               <a:pPr/>
-              <a:t>2022/10/8</a:t>
+              <a:t>2022/12/31</a:t>
             </a:fld>
             <a:endParaRPr lang="zh-TW" altLang="en-US"/>
           </a:p>
@@ -1802,7 +1802,7 @@
             <a:fld id="{18D434DE-7E94-479A-8252-0F1D004EB8DD}" type="datetimeFigureOut">
               <a:rPr lang="zh-TW" altLang="en-US" smtClean="0"/>
               <a:pPr/>
-              <a:t>2022/10/8</a:t>
+              <a:t>2022/12/31</a:t>
             </a:fld>
             <a:endParaRPr lang="zh-TW" altLang="en-US"/>
           </a:p>
@@ -1922,7 +1922,7 @@
             <a:fld id="{18D434DE-7E94-479A-8252-0F1D004EB8DD}" type="datetimeFigureOut">
               <a:rPr lang="zh-TW" altLang="en-US" smtClean="0"/>
               <a:pPr/>
-              <a:t>2022/10/8</a:t>
+              <a:t>2022/12/31</a:t>
             </a:fld>
             <a:endParaRPr lang="zh-TW" altLang="en-US"/>
           </a:p>
@@ -2019,7 +2019,7 @@
             <a:fld id="{18D434DE-7E94-479A-8252-0F1D004EB8DD}" type="datetimeFigureOut">
               <a:rPr lang="zh-TW" altLang="en-US" smtClean="0"/>
               <a:pPr/>
-              <a:t>2022/10/8</a:t>
+              <a:t>2022/12/31</a:t>
             </a:fld>
             <a:endParaRPr lang="zh-TW" altLang="en-US"/>
           </a:p>
@@ -2298,7 +2298,7 @@
             <a:fld id="{18D434DE-7E94-479A-8252-0F1D004EB8DD}" type="datetimeFigureOut">
               <a:rPr lang="zh-TW" altLang="en-US" smtClean="0"/>
               <a:pPr/>
-              <a:t>2022/10/8</a:t>
+              <a:t>2022/12/31</a:t>
             </a:fld>
             <a:endParaRPr lang="zh-TW" altLang="en-US"/>
           </a:p>
@@ -2557,7 +2557,7 @@
             <a:fld id="{18D434DE-7E94-479A-8252-0F1D004EB8DD}" type="datetimeFigureOut">
               <a:rPr lang="zh-TW" altLang="en-US" smtClean="0"/>
               <a:pPr/>
-              <a:t>2022/10/8</a:t>
+              <a:t>2022/12/31</a:t>
             </a:fld>
             <a:endParaRPr lang="zh-TW" altLang="en-US"/>
           </a:p>
@@ -2777,7 +2777,7 @@
             <a:fld id="{18D434DE-7E94-479A-8252-0F1D004EB8DD}" type="datetimeFigureOut">
               <a:rPr lang="zh-TW" altLang="en-US" smtClean="0"/>
               <a:pPr/>
-              <a:t>2022/10/8</a:t>
+              <a:t>2022/12/31</a:t>
             </a:fld>
             <a:endParaRPr lang="zh-TW" altLang="en-US"/>
           </a:p>
@@ -4359,7 +4359,27 @@
                 <a:latin typeface="微軟正黑體" pitchFamily="34" charset="-120"/>
                 <a:ea typeface="微軟正黑體" pitchFamily="34" charset="-120"/>
               </a:rPr>
-              <a:t>當主再來  歡呼聲響徹天空</a:t>
+              <a:t>當主再來  歡呼聲</a:t>
+            </a:r>
+            <a:r>
+              <a:rPr lang="zh-TW" altLang="en-US" sz="6400" b="1" dirty="0">
+                <a:solidFill>
+                  <a:srgbClr val="660033"/>
+                </a:solidFill>
+                <a:latin typeface="微軟正黑體" pitchFamily="34" charset="-120"/>
+                <a:ea typeface="微軟正黑體" pitchFamily="34" charset="-120"/>
+              </a:rPr>
+              <a:t>響澈天</a:t>
+            </a:r>
+            <a:r>
+              <a:rPr lang="zh-TW" altLang="en-US" sz="6400" b="1" dirty="0">
+                <a:solidFill>
+                  <a:srgbClr val="660033"/>
+                </a:solidFill>
+                <a:latin typeface="微軟正黑體" pitchFamily="34" charset="-120"/>
+                <a:ea typeface="微軟正黑體" pitchFamily="34" charset="-120"/>
+              </a:rPr>
+              <a:t>空</a:t>
             </a:r>
             <a:endParaRPr lang="en-US" altLang="zh-TW" sz="6400" b="1" dirty="0">
               <a:solidFill>

--- a/青年聖歌I/(青年聖歌I6)你真偉大.pptx
+++ b/青年聖歌I/(青年聖歌I6)你真偉大.pptx
@@ -11,10 +11,10 @@
     <p:sldId id="259" r:id="rId5"/>
     <p:sldId id="260" r:id="rId6"/>
     <p:sldId id="261" r:id="rId7"/>
-    <p:sldId id="262" r:id="rId8"/>
+    <p:sldId id="266" r:id="rId8"/>
     <p:sldId id="263" r:id="rId9"/>
     <p:sldId id="264" r:id="rId10"/>
-    <p:sldId id="265" r:id="rId11"/>
+    <p:sldId id="267" r:id="rId11"/>
   </p:sldIdLst>
   <p:sldSz cx="12192000" cy="6858000"/>
   <p:notesSz cx="6858000" cy="9144000"/>
@@ -314,7 +314,7 @@
             <a:fld id="{18D434DE-7E94-479A-8252-0F1D004EB8DD}" type="datetimeFigureOut">
               <a:rPr lang="zh-TW" altLang="en-US" smtClean="0"/>
               <a:pPr/>
-              <a:t>2022/12/31</a:t>
+              <a:t>2023/10/7</a:t>
             </a:fld>
             <a:endParaRPr lang="zh-TW" altLang="en-US"/>
           </a:p>
@@ -486,7 +486,7 @@
             <a:fld id="{18D434DE-7E94-479A-8252-0F1D004EB8DD}" type="datetimeFigureOut">
               <a:rPr lang="zh-TW" altLang="en-US" smtClean="0"/>
               <a:pPr/>
-              <a:t>2022/12/31</a:t>
+              <a:t>2023/10/7</a:t>
             </a:fld>
             <a:endParaRPr lang="zh-TW" altLang="en-US"/>
           </a:p>
@@ -668,7 +668,7 @@
             <a:fld id="{18D434DE-7E94-479A-8252-0F1D004EB8DD}" type="datetimeFigureOut">
               <a:rPr lang="zh-TW" altLang="en-US" smtClean="0"/>
               <a:pPr/>
-              <a:t>2022/12/31</a:t>
+              <a:t>2023/10/7</a:t>
             </a:fld>
             <a:endParaRPr lang="zh-TW" altLang="en-US"/>
           </a:p>
@@ -840,7 +840,7 @@
             <a:fld id="{18D434DE-7E94-479A-8252-0F1D004EB8DD}" type="datetimeFigureOut">
               <a:rPr lang="zh-TW" altLang="en-US" smtClean="0"/>
               <a:pPr/>
-              <a:t>2022/12/31</a:t>
+              <a:t>2023/10/7</a:t>
             </a:fld>
             <a:endParaRPr lang="zh-TW" altLang="en-US"/>
           </a:p>
@@ -1088,7 +1088,7 @@
             <a:fld id="{18D434DE-7E94-479A-8252-0F1D004EB8DD}" type="datetimeFigureOut">
               <a:rPr lang="zh-TW" altLang="en-US" smtClean="0"/>
               <a:pPr/>
-              <a:t>2022/12/31</a:t>
+              <a:t>2023/10/7</a:t>
             </a:fld>
             <a:endParaRPr lang="zh-TW" altLang="en-US"/>
           </a:p>
@@ -1378,7 +1378,7 @@
             <a:fld id="{18D434DE-7E94-479A-8252-0F1D004EB8DD}" type="datetimeFigureOut">
               <a:rPr lang="zh-TW" altLang="en-US" smtClean="0"/>
               <a:pPr/>
-              <a:t>2022/12/31</a:t>
+              <a:t>2023/10/7</a:t>
             </a:fld>
             <a:endParaRPr lang="zh-TW" altLang="en-US"/>
           </a:p>
@@ -1802,7 +1802,7 @@
             <a:fld id="{18D434DE-7E94-479A-8252-0F1D004EB8DD}" type="datetimeFigureOut">
               <a:rPr lang="zh-TW" altLang="en-US" smtClean="0"/>
               <a:pPr/>
-              <a:t>2022/12/31</a:t>
+              <a:t>2023/10/7</a:t>
             </a:fld>
             <a:endParaRPr lang="zh-TW" altLang="en-US"/>
           </a:p>
@@ -1922,7 +1922,7 @@
             <a:fld id="{18D434DE-7E94-479A-8252-0F1D004EB8DD}" type="datetimeFigureOut">
               <a:rPr lang="zh-TW" altLang="en-US" smtClean="0"/>
               <a:pPr/>
-              <a:t>2022/12/31</a:t>
+              <a:t>2023/10/7</a:t>
             </a:fld>
             <a:endParaRPr lang="zh-TW" altLang="en-US"/>
           </a:p>
@@ -2019,7 +2019,7 @@
             <a:fld id="{18D434DE-7E94-479A-8252-0F1D004EB8DD}" type="datetimeFigureOut">
               <a:rPr lang="zh-TW" altLang="en-US" smtClean="0"/>
               <a:pPr/>
-              <a:t>2022/12/31</a:t>
+              <a:t>2023/10/7</a:t>
             </a:fld>
             <a:endParaRPr lang="zh-TW" altLang="en-US"/>
           </a:p>
@@ -2298,7 +2298,7 @@
             <a:fld id="{18D434DE-7E94-479A-8252-0F1D004EB8DD}" type="datetimeFigureOut">
               <a:rPr lang="zh-TW" altLang="en-US" smtClean="0"/>
               <a:pPr/>
-              <a:t>2022/12/31</a:t>
+              <a:t>2023/10/7</a:t>
             </a:fld>
             <a:endParaRPr lang="zh-TW" altLang="en-US"/>
           </a:p>
@@ -2557,7 +2557,7 @@
             <a:fld id="{18D434DE-7E94-479A-8252-0F1D004EB8DD}" type="datetimeFigureOut">
               <a:rPr lang="zh-TW" altLang="en-US" smtClean="0"/>
               <a:pPr/>
-              <a:t>2022/12/31</a:t>
+              <a:t>2023/10/7</a:t>
             </a:fld>
             <a:endParaRPr lang="zh-TW" altLang="en-US"/>
           </a:p>
@@ -2777,7 +2777,7 @@
             <a:fld id="{18D434DE-7E94-479A-8252-0F1D004EB8DD}" type="datetimeFigureOut">
               <a:rPr lang="zh-TW" altLang="en-US" smtClean="0"/>
               <a:pPr/>
-              <a:t>2022/12/31</a:t>
+              <a:t>2023/10/7</a:t>
             </a:fld>
             <a:endParaRPr lang="zh-TW" altLang="en-US"/>
           </a:p>
@@ -3352,7 +3352,7 @@
         <p:spPr>
           <a:xfrm>
             <a:off x="0" y="5253203"/>
-            <a:ext cx="12192000" cy="830997"/>
+            <a:ext cx="12192000" cy="646331"/>
           </a:xfrm>
           <a:prstGeom prst="rect">
             <a:avLst/>
@@ -3367,17 +3367,60 @@
           <a:p>
             <a:pPr algn="ctr"/>
             <a:r>
-              <a:rPr lang="en-US" sz="4800" b="1" dirty="0">
-                <a:solidFill>
-                  <a:srgbClr val="660033"/>
-                </a:solidFill>
-              </a:rPr>
-              <a:t>( x2 )</a:t>
-            </a:r>
-            <a:endParaRPr lang="vi-VN" sz="4800" b="1" dirty="0">
+              <a:rPr lang="en-US" sz="3600" b="1" dirty="0">
+                <a:solidFill>
+                  <a:srgbClr val="660033"/>
+                </a:solidFill>
+                <a:latin typeface="Microsoft JhengHei" panose="020B0604030504040204" pitchFamily="34" charset="-120"/>
+                <a:ea typeface="Microsoft JhengHei" panose="020B0604030504040204" pitchFamily="34" charset="-120"/>
+              </a:rPr>
+              <a:t>( </a:t>
+            </a:r>
+            <a:r>
+              <a:rPr lang="en-US" sz="3600" b="1" dirty="0" smtClean="0">
+                <a:solidFill>
+                  <a:srgbClr val="660033"/>
+                </a:solidFill>
+                <a:latin typeface="Microsoft JhengHei" panose="020B0604030504040204" pitchFamily="34" charset="-120"/>
+                <a:ea typeface="Microsoft JhengHei" panose="020B0604030504040204" pitchFamily="34" charset="-120"/>
+              </a:rPr>
+              <a:t>2 </a:t>
+            </a:r>
+            <a:r>
+              <a:rPr lang="zh-CN" altLang="en-US" sz="3600" b="1" dirty="0" smtClean="0">
+                <a:solidFill>
+                  <a:srgbClr val="660033"/>
+                </a:solidFill>
+                <a:latin typeface="Microsoft JhengHei" panose="020B0604030504040204" pitchFamily="34" charset="-120"/>
+                <a:ea typeface="Microsoft JhengHei" panose="020B0604030504040204" pitchFamily="34" charset="-120"/>
+              </a:rPr>
+              <a:t>次</a:t>
+            </a:r>
+            <a:r>
+              <a:rPr lang="en-US" sz="3600" b="1" dirty="0" smtClean="0">
+                <a:solidFill>
+                  <a:srgbClr val="660033"/>
+                </a:solidFill>
+                <a:latin typeface="Microsoft JhengHei" panose="020B0604030504040204" pitchFamily="34" charset="-120"/>
+                <a:ea typeface="Microsoft JhengHei" panose="020B0604030504040204" pitchFamily="34" charset="-120"/>
+              </a:rPr>
+              <a:t> </a:t>
+            </a:r>
+            <a:r>
+              <a:rPr lang="en-US" sz="3600" b="1" dirty="0">
+                <a:solidFill>
+                  <a:srgbClr val="660033"/>
+                </a:solidFill>
+                <a:latin typeface="Microsoft JhengHei" panose="020B0604030504040204" pitchFamily="34" charset="-120"/>
+                <a:ea typeface="Microsoft JhengHei" panose="020B0604030504040204" pitchFamily="34" charset="-120"/>
+              </a:rPr>
+              <a:t>)</a:t>
+            </a:r>
+            <a:endParaRPr lang="vi-VN" sz="3600" b="1" dirty="0">
               <a:solidFill>
                 <a:srgbClr val="660033"/>
               </a:solidFill>
+              <a:ea typeface="Microsoft JhengHei" panose="020B0604030504040204" pitchFamily="34" charset="-120"/>
             </a:endParaRPr>
           </a:p>
         </p:txBody>
@@ -3385,7 +3428,7 @@
     </p:spTree>
     <p:extLst>
       <p:ext uri="{BB962C8B-B14F-4D97-AF65-F5344CB8AC3E}">
-        <p14:creationId xmlns:p14="http://schemas.microsoft.com/office/powerpoint/2010/main" val="846324053"/>
+        <p14:creationId xmlns:p14="http://schemas.microsoft.com/office/powerpoint/2010/main" val="685371219"/>
       </p:ext>
     </p:extLst>
   </p:cSld>
@@ -3498,7 +3541,7 @@
         <p:spPr>
           <a:xfrm>
             <a:off x="0" y="5253203"/>
-            <a:ext cx="12192000" cy="830997"/>
+            <a:ext cx="12192000" cy="707886"/>
           </a:xfrm>
           <a:prstGeom prst="rect">
             <a:avLst/>
@@ -3513,7 +3556,7 @@
           <a:p>
             <a:pPr algn="ctr"/>
             <a:r>
-              <a:rPr lang="en-US" sz="4800" b="1" dirty="0">
+              <a:rPr lang="en-US" sz="4000" b="1" dirty="0">
                 <a:solidFill>
                   <a:srgbClr val="660033"/>
                 </a:solidFill>
@@ -3521,7 +3564,7 @@
               <a:t>( </a:t>
             </a:r>
             <a:r>
-              <a:rPr lang="en-US" sz="4800" b="1" dirty="0" smtClean="0">
+              <a:rPr lang="en-US" sz="4000" b="1" dirty="0" smtClean="0">
                 <a:solidFill>
                   <a:srgbClr val="660033"/>
                 </a:solidFill>
@@ -3529,14 +3572,14 @@
               <a:t>1 / 3 </a:t>
             </a:r>
             <a:r>
-              <a:rPr lang="en-US" sz="4800" b="1" dirty="0">
+              <a:rPr lang="en-US" sz="4000" b="1" dirty="0">
                 <a:solidFill>
                   <a:srgbClr val="660033"/>
                 </a:solidFill>
               </a:rPr>
               <a:t>)</a:t>
             </a:r>
-            <a:endParaRPr lang="vi-VN" sz="4800" b="1" dirty="0">
+            <a:endParaRPr lang="vi-VN" sz="4000" b="1" dirty="0">
               <a:solidFill>
                 <a:srgbClr val="660033"/>
               </a:solidFill>
@@ -3653,7 +3696,7 @@
         <p:spPr>
           <a:xfrm>
             <a:off x="0" y="5253203"/>
-            <a:ext cx="12192000" cy="830997"/>
+            <a:ext cx="12192000" cy="707886"/>
           </a:xfrm>
           <a:prstGeom prst="rect">
             <a:avLst/>
@@ -3668,14 +3711,14 @@
           <a:p>
             <a:pPr algn="ctr"/>
             <a:r>
-              <a:rPr lang="en-US" sz="4800" b="1" dirty="0">
+              <a:rPr lang="en-US" sz="4000" b="1" dirty="0">
                 <a:solidFill>
                   <a:srgbClr val="660033"/>
                 </a:solidFill>
               </a:rPr>
               <a:t>( 1 / 3 )</a:t>
             </a:r>
-            <a:endParaRPr lang="vi-VN" sz="4800" b="1" dirty="0">
+            <a:endParaRPr lang="vi-VN" sz="4000" b="1" dirty="0">
               <a:solidFill>
                 <a:srgbClr val="660033"/>
               </a:solidFill>
@@ -3809,7 +3852,7 @@
         <p:spPr>
           <a:xfrm>
             <a:off x="0" y="5253203"/>
-            <a:ext cx="12192000" cy="830997"/>
+            <a:ext cx="12192000" cy="646331"/>
           </a:xfrm>
           <a:prstGeom prst="rect">
             <a:avLst/>
@@ -3824,17 +3867,60 @@
           <a:p>
             <a:pPr algn="ctr"/>
             <a:r>
-              <a:rPr lang="en-US" sz="4800" b="1" dirty="0">
-                <a:solidFill>
-                  <a:srgbClr val="660033"/>
-                </a:solidFill>
-              </a:rPr>
-              <a:t>( x2 )</a:t>
-            </a:r>
-            <a:endParaRPr lang="vi-VN" sz="4800" b="1" dirty="0">
+              <a:rPr lang="en-US" sz="3600" b="1" dirty="0">
+                <a:solidFill>
+                  <a:srgbClr val="660033"/>
+                </a:solidFill>
+                <a:latin typeface="Microsoft JhengHei" panose="020B0604030504040204" pitchFamily="34" charset="-120"/>
+                <a:ea typeface="Microsoft JhengHei" panose="020B0604030504040204" pitchFamily="34" charset="-120"/>
+              </a:rPr>
+              <a:t>( </a:t>
+            </a:r>
+            <a:r>
+              <a:rPr lang="en-US" sz="3600" b="1" dirty="0" smtClean="0">
+                <a:solidFill>
+                  <a:srgbClr val="660033"/>
+                </a:solidFill>
+                <a:latin typeface="Microsoft JhengHei" panose="020B0604030504040204" pitchFamily="34" charset="-120"/>
+                <a:ea typeface="Microsoft JhengHei" panose="020B0604030504040204" pitchFamily="34" charset="-120"/>
+              </a:rPr>
+              <a:t>2 </a:t>
+            </a:r>
+            <a:r>
+              <a:rPr lang="zh-CN" altLang="en-US" sz="3600" b="1" dirty="0" smtClean="0">
+                <a:solidFill>
+                  <a:srgbClr val="660033"/>
+                </a:solidFill>
+                <a:latin typeface="Microsoft JhengHei" panose="020B0604030504040204" pitchFamily="34" charset="-120"/>
+                <a:ea typeface="Microsoft JhengHei" panose="020B0604030504040204" pitchFamily="34" charset="-120"/>
+              </a:rPr>
+              <a:t>次</a:t>
+            </a:r>
+            <a:r>
+              <a:rPr lang="en-US" sz="3600" b="1" dirty="0" smtClean="0">
+                <a:solidFill>
+                  <a:srgbClr val="660033"/>
+                </a:solidFill>
+                <a:latin typeface="Microsoft JhengHei" panose="020B0604030504040204" pitchFamily="34" charset="-120"/>
+                <a:ea typeface="Microsoft JhengHei" panose="020B0604030504040204" pitchFamily="34" charset="-120"/>
+              </a:rPr>
+              <a:t> </a:t>
+            </a:r>
+            <a:r>
+              <a:rPr lang="en-US" sz="3600" b="1" dirty="0">
+                <a:solidFill>
+                  <a:srgbClr val="660033"/>
+                </a:solidFill>
+                <a:latin typeface="Microsoft JhengHei" panose="020B0604030504040204" pitchFamily="34" charset="-120"/>
+                <a:ea typeface="Microsoft JhengHei" panose="020B0604030504040204" pitchFamily="34" charset="-120"/>
+              </a:rPr>
+              <a:t>)</a:t>
+            </a:r>
+            <a:endParaRPr lang="vi-VN" sz="3600" b="1" dirty="0">
               <a:solidFill>
                 <a:srgbClr val="660033"/>
               </a:solidFill>
+              <a:ea typeface="Microsoft JhengHei" panose="020B0604030504040204" pitchFamily="34" charset="-120"/>
             </a:endParaRPr>
           </a:p>
         </p:txBody>
@@ -3965,7 +4051,7 @@
         <p:spPr>
           <a:xfrm>
             <a:off x="0" y="5253203"/>
-            <a:ext cx="12192000" cy="830997"/>
+            <a:ext cx="12192000" cy="707886"/>
           </a:xfrm>
           <a:prstGeom prst="rect">
             <a:avLst/>
@@ -3980,7 +4066,7 @@
           <a:p>
             <a:pPr algn="ctr"/>
             <a:r>
-              <a:rPr lang="en-US" sz="4800" b="1" dirty="0">
+              <a:rPr lang="en-US" sz="4000" b="1" dirty="0">
                 <a:solidFill>
                   <a:srgbClr val="660033"/>
                 </a:solidFill>
@@ -3988,7 +4074,7 @@
               <a:t>( </a:t>
             </a:r>
             <a:r>
-              <a:rPr lang="en-US" sz="4800" b="1" dirty="0" smtClean="0">
+              <a:rPr lang="en-US" sz="4000" b="1" dirty="0">
                 <a:solidFill>
                   <a:srgbClr val="660033"/>
                 </a:solidFill>
@@ -3996,14 +4082,14 @@
               <a:t>2 </a:t>
             </a:r>
             <a:r>
-              <a:rPr lang="en-US" sz="4800" b="1" dirty="0">
+              <a:rPr lang="en-US" sz="4000" b="1" dirty="0">
                 <a:solidFill>
                   <a:srgbClr val="660033"/>
                 </a:solidFill>
               </a:rPr>
               <a:t>/ 3 )</a:t>
             </a:r>
-            <a:endParaRPr lang="vi-VN" sz="4800" b="1" dirty="0">
+            <a:endParaRPr lang="vi-VN" sz="4000" b="1" dirty="0">
               <a:solidFill>
                 <a:srgbClr val="660033"/>
               </a:solidFill>
@@ -4110,7 +4196,7 @@
         <p:spPr>
           <a:xfrm>
             <a:off x="0" y="5253203"/>
-            <a:ext cx="12192000" cy="830997"/>
+            <a:ext cx="12192000" cy="707886"/>
           </a:xfrm>
           <a:prstGeom prst="rect">
             <a:avLst/>
@@ -4125,14 +4211,14 @@
           <a:p>
             <a:pPr algn="ctr"/>
             <a:r>
-              <a:rPr lang="en-US" sz="4800" b="1" dirty="0">
+              <a:rPr lang="en-US" sz="4000" b="1" dirty="0">
                 <a:solidFill>
                   <a:srgbClr val="660033"/>
                 </a:solidFill>
               </a:rPr>
               <a:t>( 2 / 3 )</a:t>
             </a:r>
-            <a:endParaRPr lang="vi-VN" sz="4800" b="1" dirty="0">
+            <a:endParaRPr lang="vi-VN" sz="4000" b="1" dirty="0">
               <a:solidFill>
                 <a:srgbClr val="660033"/>
               </a:solidFill>
@@ -4266,7 +4352,7 @@
         <p:spPr>
           <a:xfrm>
             <a:off x="0" y="5253203"/>
-            <a:ext cx="12192000" cy="830997"/>
+            <a:ext cx="12192000" cy="646331"/>
           </a:xfrm>
           <a:prstGeom prst="rect">
             <a:avLst/>
@@ -4281,17 +4367,60 @@
           <a:p>
             <a:pPr algn="ctr"/>
             <a:r>
-              <a:rPr lang="en-US" sz="4800" b="1" dirty="0">
-                <a:solidFill>
-                  <a:srgbClr val="660033"/>
-                </a:solidFill>
-              </a:rPr>
-              <a:t>( x2 )</a:t>
-            </a:r>
-            <a:endParaRPr lang="vi-VN" sz="4800" b="1" dirty="0">
+              <a:rPr lang="en-US" sz="3600" b="1" dirty="0">
+                <a:solidFill>
+                  <a:srgbClr val="660033"/>
+                </a:solidFill>
+                <a:latin typeface="Microsoft JhengHei" panose="020B0604030504040204" pitchFamily="34" charset="-120"/>
+                <a:ea typeface="Microsoft JhengHei" panose="020B0604030504040204" pitchFamily="34" charset="-120"/>
+              </a:rPr>
+              <a:t>( </a:t>
+            </a:r>
+            <a:r>
+              <a:rPr lang="en-US" sz="3600" b="1" dirty="0" smtClean="0">
+                <a:solidFill>
+                  <a:srgbClr val="660033"/>
+                </a:solidFill>
+                <a:latin typeface="Microsoft JhengHei" panose="020B0604030504040204" pitchFamily="34" charset="-120"/>
+                <a:ea typeface="Microsoft JhengHei" panose="020B0604030504040204" pitchFamily="34" charset="-120"/>
+              </a:rPr>
+              <a:t>2 </a:t>
+            </a:r>
+            <a:r>
+              <a:rPr lang="zh-CN" altLang="en-US" sz="3600" b="1" dirty="0" smtClean="0">
+                <a:solidFill>
+                  <a:srgbClr val="660033"/>
+                </a:solidFill>
+                <a:latin typeface="Microsoft JhengHei" panose="020B0604030504040204" pitchFamily="34" charset="-120"/>
+                <a:ea typeface="Microsoft JhengHei" panose="020B0604030504040204" pitchFamily="34" charset="-120"/>
+              </a:rPr>
+              <a:t>次</a:t>
+            </a:r>
+            <a:r>
+              <a:rPr lang="en-US" sz="3600" b="1" dirty="0" smtClean="0">
+                <a:solidFill>
+                  <a:srgbClr val="660033"/>
+                </a:solidFill>
+                <a:latin typeface="Microsoft JhengHei" panose="020B0604030504040204" pitchFamily="34" charset="-120"/>
+                <a:ea typeface="Microsoft JhengHei" panose="020B0604030504040204" pitchFamily="34" charset="-120"/>
+              </a:rPr>
+              <a:t> </a:t>
+            </a:r>
+            <a:r>
+              <a:rPr lang="en-US" sz="3600" b="1" dirty="0">
+                <a:solidFill>
+                  <a:srgbClr val="660033"/>
+                </a:solidFill>
+                <a:latin typeface="Microsoft JhengHei" panose="020B0604030504040204" pitchFamily="34" charset="-120"/>
+                <a:ea typeface="Microsoft JhengHei" panose="020B0604030504040204" pitchFamily="34" charset="-120"/>
+              </a:rPr>
+              <a:t>)</a:t>
+            </a:r>
+            <a:endParaRPr lang="vi-VN" sz="3600" b="1" dirty="0">
               <a:solidFill>
                 <a:srgbClr val="660033"/>
               </a:solidFill>
+              <a:ea typeface="Microsoft JhengHei" panose="020B0604030504040204" pitchFamily="34" charset="-120"/>
             </a:endParaRPr>
           </a:p>
         </p:txBody>
@@ -4299,7 +4428,7 @@
     </p:spTree>
     <p:extLst>
       <p:ext uri="{BB962C8B-B14F-4D97-AF65-F5344CB8AC3E}">
-        <p14:creationId xmlns:p14="http://schemas.microsoft.com/office/powerpoint/2010/main" val="1229689261"/>
+        <p14:creationId xmlns:p14="http://schemas.microsoft.com/office/powerpoint/2010/main" val="548158874"/>
       </p:ext>
     </p:extLst>
   </p:cSld>
@@ -4359,27 +4488,7 @@
                 <a:latin typeface="微軟正黑體" pitchFamily="34" charset="-120"/>
                 <a:ea typeface="微軟正黑體" pitchFamily="34" charset="-120"/>
               </a:rPr>
-              <a:t>當主再來  歡呼聲</a:t>
-            </a:r>
-            <a:r>
-              <a:rPr lang="zh-TW" altLang="en-US" sz="6400" b="1" dirty="0">
-                <a:solidFill>
-                  <a:srgbClr val="660033"/>
-                </a:solidFill>
-                <a:latin typeface="微軟正黑體" pitchFamily="34" charset="-120"/>
-                <a:ea typeface="微軟正黑體" pitchFamily="34" charset="-120"/>
-              </a:rPr>
-              <a:t>響澈天</a:t>
-            </a:r>
-            <a:r>
-              <a:rPr lang="zh-TW" altLang="en-US" sz="6400" b="1" dirty="0">
-                <a:solidFill>
-                  <a:srgbClr val="660033"/>
-                </a:solidFill>
-                <a:latin typeface="微軟正黑體" pitchFamily="34" charset="-120"/>
-                <a:ea typeface="微軟正黑體" pitchFamily="34" charset="-120"/>
-              </a:rPr>
-              <a:t>空</a:t>
+              <a:t>當主再來  歡呼聲響澈天空</a:t>
             </a:r>
             <a:endParaRPr lang="en-US" altLang="zh-TW" sz="6400" b="1" dirty="0">
               <a:solidFill>
@@ -4422,7 +4531,7 @@
         <p:spPr>
           <a:xfrm>
             <a:off x="0" y="5253203"/>
-            <a:ext cx="12192000" cy="830997"/>
+            <a:ext cx="12192000" cy="707886"/>
           </a:xfrm>
           <a:prstGeom prst="rect">
             <a:avLst/>
@@ -4437,7 +4546,7 @@
           <a:p>
             <a:pPr algn="ctr"/>
             <a:r>
-              <a:rPr lang="en-US" sz="4800" b="1" dirty="0">
+              <a:rPr lang="en-US" sz="4000" b="1" dirty="0">
                 <a:solidFill>
                   <a:srgbClr val="660033"/>
                 </a:solidFill>
@@ -4445,7 +4554,7 @@
               <a:t>( </a:t>
             </a:r>
             <a:r>
-              <a:rPr lang="en-US" sz="4800" b="1" dirty="0" smtClean="0">
+              <a:rPr lang="en-US" sz="4000" b="1" dirty="0">
                 <a:solidFill>
                   <a:srgbClr val="660033"/>
                 </a:solidFill>
@@ -4453,14 +4562,14 @@
               <a:t>3 </a:t>
             </a:r>
             <a:r>
-              <a:rPr lang="en-US" sz="4800" b="1" dirty="0">
+              <a:rPr lang="en-US" sz="4000" b="1" dirty="0">
                 <a:solidFill>
                   <a:srgbClr val="660033"/>
                 </a:solidFill>
               </a:rPr>
               <a:t>/ 3 )</a:t>
             </a:r>
-            <a:endParaRPr lang="vi-VN" sz="4800" b="1" dirty="0">
+            <a:endParaRPr lang="vi-VN" sz="4000" b="1" dirty="0">
               <a:solidFill>
                 <a:srgbClr val="660033"/>
               </a:solidFill>
@@ -4587,7 +4696,7 @@
         <p:spPr>
           <a:xfrm>
             <a:off x="0" y="5253203"/>
-            <a:ext cx="12192000" cy="830997"/>
+            <a:ext cx="12192000" cy="707886"/>
           </a:xfrm>
           <a:prstGeom prst="rect">
             <a:avLst/>
@@ -4602,14 +4711,14 @@
           <a:p>
             <a:pPr algn="ctr"/>
             <a:r>
-              <a:rPr lang="en-US" sz="4800" b="1" dirty="0">
+              <a:rPr lang="en-US" sz="4000" b="1" dirty="0">
                 <a:solidFill>
                   <a:srgbClr val="660033"/>
                 </a:solidFill>
               </a:rPr>
               <a:t>( 3 / 3 )</a:t>
             </a:r>
-            <a:endParaRPr lang="vi-VN" sz="4800" b="1" dirty="0">
+            <a:endParaRPr lang="vi-VN" sz="4000" b="1" dirty="0">
               <a:solidFill>
                 <a:srgbClr val="660033"/>
               </a:solidFill>
